--- a/SPL-1_1412_Final Presentation.pptx
+++ b/SPL-1_1412_Final Presentation.pptx
@@ -28,9 +28,11 @@
     <p:sldId id="287" r:id="rId22"/>
     <p:sldId id="288" r:id="rId23"/>
     <p:sldId id="289" r:id="rId24"/>
-    <p:sldId id="276" r:id="rId25"/>
-    <p:sldId id="277" r:id="rId26"/>
-    <p:sldId id="278" r:id="rId27"/>
+    <p:sldId id="290" r:id="rId25"/>
+    <p:sldId id="291" r:id="rId26"/>
+    <p:sldId id="276" r:id="rId27"/>
+    <p:sldId id="277" r:id="rId28"/>
+    <p:sldId id="278" r:id="rId29"/>
   </p:sldIdLst>
   <p:sldSz cx="9144000" cy="5143500" type="screen16x9"/>
   <p:notesSz cx="6858000" cy="9144000"/>
@@ -3873,6 +3875,753 @@
 </file>
 
 <file path=ppt/diagrams/colors6.xml><?xml version="1.0" encoding="utf-8"?>
+<dgm:colorsDef xmlns:dgm="http://schemas.openxmlformats.org/drawingml/2006/diagram" xmlns:a="http://schemas.openxmlformats.org/drawingml/2006/main" uniqueId="urn:microsoft.com/office/officeart/2005/8/colors/accent1_2">
+  <dgm:title val=""/>
+  <dgm:desc val=""/>
+  <dgm:catLst>
+    <dgm:cat type="accent1" pri="11200"/>
+  </dgm:catLst>
+  <dgm:styleLbl name="node0">
+    <dgm:fillClrLst meth="repeat">
+      <a:schemeClr val="accent1"/>
+    </dgm:fillClrLst>
+    <dgm:linClrLst meth="repeat">
+      <a:schemeClr val="lt1"/>
+    </dgm:linClrLst>
+    <dgm:effectClrLst/>
+    <dgm:txLinClrLst/>
+    <dgm:txFillClrLst/>
+    <dgm:txEffectClrLst/>
+  </dgm:styleLbl>
+  <dgm:styleLbl name="alignNode1">
+    <dgm:fillClrLst meth="repeat">
+      <a:schemeClr val="accent1"/>
+    </dgm:fillClrLst>
+    <dgm:linClrLst meth="repeat">
+      <a:schemeClr val="accent1"/>
+    </dgm:linClrLst>
+    <dgm:effectClrLst/>
+    <dgm:txLinClrLst/>
+    <dgm:txFillClrLst/>
+    <dgm:txEffectClrLst/>
+  </dgm:styleLbl>
+  <dgm:styleLbl name="node1">
+    <dgm:fillClrLst meth="repeat">
+      <a:schemeClr val="accent1"/>
+    </dgm:fillClrLst>
+    <dgm:linClrLst meth="repeat">
+      <a:schemeClr val="lt1"/>
+    </dgm:linClrLst>
+    <dgm:effectClrLst/>
+    <dgm:txLinClrLst/>
+    <dgm:txFillClrLst/>
+    <dgm:txEffectClrLst/>
+  </dgm:styleLbl>
+  <dgm:styleLbl name="lnNode1">
+    <dgm:fillClrLst meth="repeat">
+      <a:schemeClr val="accent1"/>
+    </dgm:fillClrLst>
+    <dgm:linClrLst meth="repeat">
+      <a:schemeClr val="lt1"/>
+    </dgm:linClrLst>
+    <dgm:effectClrLst/>
+    <dgm:txLinClrLst/>
+    <dgm:txFillClrLst/>
+    <dgm:txEffectClrLst/>
+  </dgm:styleLbl>
+  <dgm:styleLbl name="vennNode1">
+    <dgm:fillClrLst meth="repeat">
+      <a:schemeClr val="accent1">
+        <a:alpha val="50000"/>
+      </a:schemeClr>
+    </dgm:fillClrLst>
+    <dgm:linClrLst meth="repeat">
+      <a:schemeClr val="lt1"/>
+    </dgm:linClrLst>
+    <dgm:effectClrLst/>
+    <dgm:txLinClrLst/>
+    <dgm:txFillClrLst/>
+    <dgm:txEffectClrLst/>
+  </dgm:styleLbl>
+  <dgm:styleLbl name="node2">
+    <dgm:fillClrLst meth="repeat">
+      <a:schemeClr val="accent1"/>
+    </dgm:fillClrLst>
+    <dgm:linClrLst meth="repeat">
+      <a:schemeClr val="lt1"/>
+    </dgm:linClrLst>
+    <dgm:effectClrLst/>
+    <dgm:txLinClrLst/>
+    <dgm:txFillClrLst/>
+    <dgm:txEffectClrLst/>
+  </dgm:styleLbl>
+  <dgm:styleLbl name="node3">
+    <dgm:fillClrLst meth="repeat">
+      <a:schemeClr val="accent1"/>
+    </dgm:fillClrLst>
+    <dgm:linClrLst meth="repeat">
+      <a:schemeClr val="lt1"/>
+    </dgm:linClrLst>
+    <dgm:effectClrLst/>
+    <dgm:txLinClrLst/>
+    <dgm:txFillClrLst/>
+    <dgm:txEffectClrLst/>
+  </dgm:styleLbl>
+  <dgm:styleLbl name="node4">
+    <dgm:fillClrLst meth="repeat">
+      <a:schemeClr val="accent1"/>
+    </dgm:fillClrLst>
+    <dgm:linClrLst meth="repeat">
+      <a:schemeClr val="lt1"/>
+    </dgm:linClrLst>
+    <dgm:effectClrLst/>
+    <dgm:txLinClrLst/>
+    <dgm:txFillClrLst/>
+    <dgm:txEffectClrLst/>
+  </dgm:styleLbl>
+  <dgm:styleLbl name="fgImgPlace1">
+    <dgm:fillClrLst meth="repeat">
+      <a:schemeClr val="accent1">
+        <a:tint val="50000"/>
+      </a:schemeClr>
+    </dgm:fillClrLst>
+    <dgm:linClrLst meth="repeat">
+      <a:schemeClr val="lt1"/>
+    </dgm:linClrLst>
+    <dgm:effectClrLst/>
+    <dgm:txLinClrLst/>
+    <dgm:txFillClrLst meth="repeat">
+      <a:schemeClr val="lt1"/>
+    </dgm:txFillClrLst>
+    <dgm:txEffectClrLst/>
+  </dgm:styleLbl>
+  <dgm:styleLbl name="alignImgPlace1">
+    <dgm:fillClrLst meth="repeat">
+      <a:schemeClr val="accent1">
+        <a:tint val="50000"/>
+      </a:schemeClr>
+    </dgm:fillClrLst>
+    <dgm:linClrLst meth="repeat">
+      <a:schemeClr val="lt1"/>
+    </dgm:linClrLst>
+    <dgm:effectClrLst/>
+    <dgm:txLinClrLst/>
+    <dgm:txFillClrLst meth="repeat">
+      <a:schemeClr val="lt1"/>
+    </dgm:txFillClrLst>
+    <dgm:txEffectClrLst/>
+  </dgm:styleLbl>
+  <dgm:styleLbl name="bgImgPlace1">
+    <dgm:fillClrLst meth="repeat">
+      <a:schemeClr val="accent1">
+        <a:tint val="50000"/>
+      </a:schemeClr>
+    </dgm:fillClrLst>
+    <dgm:linClrLst meth="repeat">
+      <a:schemeClr val="lt1"/>
+    </dgm:linClrLst>
+    <dgm:effectClrLst/>
+    <dgm:txLinClrLst/>
+    <dgm:txFillClrLst meth="repeat">
+      <a:schemeClr val="lt1"/>
+    </dgm:txFillClrLst>
+    <dgm:txEffectClrLst/>
+  </dgm:styleLbl>
+  <dgm:styleLbl name="sibTrans2D1">
+    <dgm:fillClrLst meth="repeat">
+      <a:schemeClr val="accent1">
+        <a:tint val="60000"/>
+      </a:schemeClr>
+    </dgm:fillClrLst>
+    <dgm:linClrLst meth="repeat">
+      <a:schemeClr val="accent1">
+        <a:tint val="60000"/>
+      </a:schemeClr>
+    </dgm:linClrLst>
+    <dgm:effectClrLst/>
+    <dgm:txLinClrLst/>
+    <dgm:txFillClrLst/>
+    <dgm:txEffectClrLst/>
+  </dgm:styleLbl>
+  <dgm:styleLbl name="fgSibTrans2D1">
+    <dgm:fillClrLst meth="repeat">
+      <a:schemeClr val="accent1">
+        <a:tint val="60000"/>
+      </a:schemeClr>
+    </dgm:fillClrLst>
+    <dgm:linClrLst meth="repeat">
+      <a:schemeClr val="accent1">
+        <a:tint val="60000"/>
+      </a:schemeClr>
+    </dgm:linClrLst>
+    <dgm:effectClrLst/>
+    <dgm:txLinClrLst/>
+    <dgm:txFillClrLst/>
+    <dgm:txEffectClrLst/>
+  </dgm:styleLbl>
+  <dgm:styleLbl name="bgSibTrans2D1">
+    <dgm:fillClrLst meth="repeat">
+      <a:schemeClr val="accent1">
+        <a:tint val="60000"/>
+      </a:schemeClr>
+    </dgm:fillClrLst>
+    <dgm:linClrLst meth="repeat">
+      <a:schemeClr val="accent1">
+        <a:tint val="60000"/>
+      </a:schemeClr>
+    </dgm:linClrLst>
+    <dgm:effectClrLst/>
+    <dgm:txLinClrLst/>
+    <dgm:txFillClrLst/>
+    <dgm:txEffectClrLst/>
+  </dgm:styleLbl>
+  <dgm:styleLbl name="sibTrans1D1">
+    <dgm:fillClrLst meth="repeat">
+      <a:schemeClr val="accent1"/>
+    </dgm:fillClrLst>
+    <dgm:linClrLst meth="repeat">
+      <a:schemeClr val="accent1"/>
+    </dgm:linClrLst>
+    <dgm:effectClrLst/>
+    <dgm:txLinClrLst/>
+    <dgm:txFillClrLst meth="repeat">
+      <a:schemeClr val="tx1"/>
+    </dgm:txFillClrLst>
+    <dgm:txEffectClrLst/>
+  </dgm:styleLbl>
+  <dgm:styleLbl name="callout">
+    <dgm:fillClrLst meth="repeat">
+      <a:schemeClr val="accent1"/>
+    </dgm:fillClrLst>
+    <dgm:linClrLst meth="repeat">
+      <a:schemeClr val="accent1">
+        <a:tint val="50000"/>
+      </a:schemeClr>
+    </dgm:linClrLst>
+    <dgm:effectClrLst/>
+    <dgm:txLinClrLst/>
+    <dgm:txFillClrLst meth="repeat">
+      <a:schemeClr val="tx1"/>
+    </dgm:txFillClrLst>
+    <dgm:txEffectClrLst/>
+  </dgm:styleLbl>
+  <dgm:styleLbl name="asst0">
+    <dgm:fillClrLst meth="repeat">
+      <a:schemeClr val="accent1"/>
+    </dgm:fillClrLst>
+    <dgm:linClrLst meth="repeat">
+      <a:schemeClr val="lt1"/>
+    </dgm:linClrLst>
+    <dgm:effectClrLst/>
+    <dgm:txLinClrLst/>
+    <dgm:txFillClrLst/>
+    <dgm:txEffectClrLst/>
+  </dgm:styleLbl>
+  <dgm:styleLbl name="asst1">
+    <dgm:fillClrLst meth="repeat">
+      <a:schemeClr val="accent1"/>
+    </dgm:fillClrLst>
+    <dgm:linClrLst meth="repeat">
+      <a:schemeClr val="lt1"/>
+    </dgm:linClrLst>
+    <dgm:effectClrLst/>
+    <dgm:txLinClrLst/>
+    <dgm:txFillClrLst/>
+    <dgm:txEffectClrLst/>
+  </dgm:styleLbl>
+  <dgm:styleLbl name="asst2">
+    <dgm:fillClrLst meth="repeat">
+      <a:schemeClr val="accent1"/>
+    </dgm:fillClrLst>
+    <dgm:linClrLst meth="repeat">
+      <a:schemeClr val="lt1"/>
+    </dgm:linClrLst>
+    <dgm:effectClrLst/>
+    <dgm:txLinClrLst/>
+    <dgm:txFillClrLst/>
+    <dgm:txEffectClrLst/>
+  </dgm:styleLbl>
+  <dgm:styleLbl name="asst3">
+    <dgm:fillClrLst meth="repeat">
+      <a:schemeClr val="accent1"/>
+    </dgm:fillClrLst>
+    <dgm:linClrLst meth="repeat">
+      <a:schemeClr val="lt1"/>
+    </dgm:linClrLst>
+    <dgm:effectClrLst/>
+    <dgm:txLinClrLst/>
+    <dgm:txFillClrLst/>
+    <dgm:txEffectClrLst/>
+  </dgm:styleLbl>
+  <dgm:styleLbl name="asst4">
+    <dgm:fillClrLst meth="repeat">
+      <a:schemeClr val="accent1"/>
+    </dgm:fillClrLst>
+    <dgm:linClrLst meth="repeat">
+      <a:schemeClr val="lt1"/>
+    </dgm:linClrLst>
+    <dgm:effectClrLst/>
+    <dgm:txLinClrLst/>
+    <dgm:txFillClrLst/>
+    <dgm:txEffectClrLst/>
+  </dgm:styleLbl>
+  <dgm:styleLbl name="parChTrans2D1">
+    <dgm:fillClrLst meth="repeat">
+      <a:schemeClr val="accent1">
+        <a:tint val="60000"/>
+      </a:schemeClr>
+    </dgm:fillClrLst>
+    <dgm:linClrLst meth="repeat">
+      <a:schemeClr val="accent1">
+        <a:tint val="60000"/>
+      </a:schemeClr>
+    </dgm:linClrLst>
+    <dgm:effectClrLst/>
+    <dgm:txLinClrLst/>
+    <dgm:txFillClrLst meth="repeat">
+      <a:schemeClr val="lt1"/>
+    </dgm:txFillClrLst>
+    <dgm:txEffectClrLst/>
+  </dgm:styleLbl>
+  <dgm:styleLbl name="parChTrans2D2">
+    <dgm:fillClrLst meth="repeat">
+      <a:schemeClr val="accent1"/>
+    </dgm:fillClrLst>
+    <dgm:linClrLst meth="repeat">
+      <a:schemeClr val="accent1"/>
+    </dgm:linClrLst>
+    <dgm:effectClrLst/>
+    <dgm:txLinClrLst/>
+    <dgm:txFillClrLst meth="repeat">
+      <a:schemeClr val="lt1"/>
+    </dgm:txFillClrLst>
+    <dgm:txEffectClrLst/>
+  </dgm:styleLbl>
+  <dgm:styleLbl name="parChTrans2D3">
+    <dgm:fillClrLst meth="repeat">
+      <a:schemeClr val="accent1"/>
+    </dgm:fillClrLst>
+    <dgm:linClrLst meth="repeat">
+      <a:schemeClr val="accent1"/>
+    </dgm:linClrLst>
+    <dgm:effectClrLst/>
+    <dgm:txLinClrLst/>
+    <dgm:txFillClrLst meth="repeat">
+      <a:schemeClr val="lt1"/>
+    </dgm:txFillClrLst>
+    <dgm:txEffectClrLst/>
+  </dgm:styleLbl>
+  <dgm:styleLbl name="parChTrans2D4">
+    <dgm:fillClrLst meth="repeat">
+      <a:schemeClr val="accent1"/>
+    </dgm:fillClrLst>
+    <dgm:linClrLst meth="repeat">
+      <a:schemeClr val="accent1"/>
+    </dgm:linClrLst>
+    <dgm:effectClrLst/>
+    <dgm:txLinClrLst/>
+    <dgm:txFillClrLst meth="repeat">
+      <a:schemeClr val="lt1"/>
+    </dgm:txFillClrLst>
+    <dgm:txEffectClrLst/>
+  </dgm:styleLbl>
+  <dgm:styleLbl name="parChTrans1D1">
+    <dgm:fillClrLst meth="repeat">
+      <a:schemeClr val="accent1"/>
+    </dgm:fillClrLst>
+    <dgm:linClrLst meth="repeat">
+      <a:schemeClr val="accent1">
+        <a:shade val="60000"/>
+      </a:schemeClr>
+    </dgm:linClrLst>
+    <dgm:effectClrLst/>
+    <dgm:txLinClrLst/>
+    <dgm:txFillClrLst meth="repeat">
+      <a:schemeClr val="tx1"/>
+    </dgm:txFillClrLst>
+    <dgm:txEffectClrLst/>
+  </dgm:styleLbl>
+  <dgm:styleLbl name="parChTrans1D2">
+    <dgm:fillClrLst meth="repeat">
+      <a:schemeClr val="accent1"/>
+    </dgm:fillClrLst>
+    <dgm:linClrLst meth="repeat">
+      <a:schemeClr val="accent1">
+        <a:shade val="60000"/>
+      </a:schemeClr>
+    </dgm:linClrLst>
+    <dgm:effectClrLst/>
+    <dgm:txLinClrLst/>
+    <dgm:txFillClrLst meth="repeat">
+      <a:schemeClr val="tx1"/>
+    </dgm:txFillClrLst>
+    <dgm:txEffectClrLst/>
+  </dgm:styleLbl>
+  <dgm:styleLbl name="parChTrans1D3">
+    <dgm:fillClrLst meth="repeat">
+      <a:schemeClr val="accent1"/>
+    </dgm:fillClrLst>
+    <dgm:linClrLst meth="repeat">
+      <a:schemeClr val="accent1">
+        <a:shade val="80000"/>
+      </a:schemeClr>
+    </dgm:linClrLst>
+    <dgm:effectClrLst/>
+    <dgm:txLinClrLst/>
+    <dgm:txFillClrLst meth="repeat">
+      <a:schemeClr val="tx1"/>
+    </dgm:txFillClrLst>
+    <dgm:txEffectClrLst/>
+  </dgm:styleLbl>
+  <dgm:styleLbl name="parChTrans1D4">
+    <dgm:fillClrLst meth="repeat">
+      <a:schemeClr val="accent1"/>
+    </dgm:fillClrLst>
+    <dgm:linClrLst meth="repeat">
+      <a:schemeClr val="accent1">
+        <a:shade val="80000"/>
+      </a:schemeClr>
+    </dgm:linClrLst>
+    <dgm:effectClrLst/>
+    <dgm:txLinClrLst/>
+    <dgm:txFillClrLst meth="repeat">
+      <a:schemeClr val="tx1"/>
+    </dgm:txFillClrLst>
+    <dgm:txEffectClrLst/>
+  </dgm:styleLbl>
+  <dgm:styleLbl name="fgAcc1">
+    <dgm:fillClrLst meth="repeat">
+      <a:schemeClr val="lt1">
+        <a:alpha val="90000"/>
+      </a:schemeClr>
+    </dgm:fillClrLst>
+    <dgm:linClrLst meth="repeat">
+      <a:schemeClr val="accent1"/>
+    </dgm:linClrLst>
+    <dgm:effectClrLst/>
+    <dgm:txLinClrLst/>
+    <dgm:txFillClrLst meth="repeat">
+      <a:schemeClr val="dk1"/>
+    </dgm:txFillClrLst>
+    <dgm:txEffectClrLst/>
+  </dgm:styleLbl>
+  <dgm:styleLbl name="conFgAcc1">
+    <dgm:fillClrLst meth="repeat">
+      <a:schemeClr val="lt1">
+        <a:alpha val="90000"/>
+      </a:schemeClr>
+    </dgm:fillClrLst>
+    <dgm:linClrLst meth="repeat">
+      <a:schemeClr val="accent1"/>
+    </dgm:linClrLst>
+    <dgm:effectClrLst/>
+    <dgm:txLinClrLst/>
+    <dgm:txFillClrLst meth="repeat">
+      <a:schemeClr val="dk1"/>
+    </dgm:txFillClrLst>
+    <dgm:txEffectClrLst/>
+  </dgm:styleLbl>
+  <dgm:styleLbl name="alignAcc1">
+    <dgm:fillClrLst meth="repeat">
+      <a:schemeClr val="lt1">
+        <a:alpha val="90000"/>
+      </a:schemeClr>
+    </dgm:fillClrLst>
+    <dgm:linClrLst meth="repeat">
+      <a:schemeClr val="accent1"/>
+    </dgm:linClrLst>
+    <dgm:effectClrLst/>
+    <dgm:txLinClrLst/>
+    <dgm:txFillClrLst meth="repeat">
+      <a:schemeClr val="dk1"/>
+    </dgm:txFillClrLst>
+    <dgm:txEffectClrLst/>
+  </dgm:styleLbl>
+  <dgm:styleLbl name="trAlignAcc1">
+    <dgm:fillClrLst meth="repeat">
+      <a:schemeClr val="lt1">
+        <a:alpha val="40000"/>
+      </a:schemeClr>
+    </dgm:fillClrLst>
+    <dgm:linClrLst meth="repeat">
+      <a:schemeClr val="accent1"/>
+    </dgm:linClrLst>
+    <dgm:effectClrLst/>
+    <dgm:txLinClrLst/>
+    <dgm:txFillClrLst meth="repeat">
+      <a:schemeClr val="dk1"/>
+    </dgm:txFillClrLst>
+    <dgm:txEffectClrLst/>
+  </dgm:styleLbl>
+  <dgm:styleLbl name="bgAcc1">
+    <dgm:fillClrLst meth="repeat">
+      <a:schemeClr val="lt1">
+        <a:alpha val="90000"/>
+      </a:schemeClr>
+    </dgm:fillClrLst>
+    <dgm:linClrLst meth="repeat">
+      <a:schemeClr val="accent1"/>
+    </dgm:linClrLst>
+    <dgm:effectClrLst/>
+    <dgm:txLinClrLst/>
+    <dgm:txFillClrLst meth="repeat">
+      <a:schemeClr val="dk1"/>
+    </dgm:txFillClrLst>
+    <dgm:txEffectClrLst/>
+  </dgm:styleLbl>
+  <dgm:styleLbl name="solidFgAcc1">
+    <dgm:fillClrLst meth="repeat">
+      <a:schemeClr val="lt1"/>
+    </dgm:fillClrLst>
+    <dgm:linClrLst meth="repeat">
+      <a:schemeClr val="accent1"/>
+    </dgm:linClrLst>
+    <dgm:effectClrLst/>
+    <dgm:txLinClrLst/>
+    <dgm:txFillClrLst meth="repeat">
+      <a:schemeClr val="dk1"/>
+    </dgm:txFillClrLst>
+    <dgm:txEffectClrLst/>
+  </dgm:styleLbl>
+  <dgm:styleLbl name="solidAlignAcc1">
+    <dgm:fillClrLst meth="repeat">
+      <a:schemeClr val="lt1"/>
+    </dgm:fillClrLst>
+    <dgm:linClrLst meth="repeat">
+      <a:schemeClr val="accent1"/>
+    </dgm:linClrLst>
+    <dgm:effectClrLst/>
+    <dgm:txLinClrLst/>
+    <dgm:txFillClrLst meth="repeat">
+      <a:schemeClr val="dk1"/>
+    </dgm:txFillClrLst>
+    <dgm:txEffectClrLst/>
+  </dgm:styleLbl>
+  <dgm:styleLbl name="solidBgAcc1">
+    <dgm:fillClrLst meth="repeat">
+      <a:schemeClr val="lt1"/>
+    </dgm:fillClrLst>
+    <dgm:linClrLst meth="repeat">
+      <a:schemeClr val="accent1"/>
+    </dgm:linClrLst>
+    <dgm:effectClrLst/>
+    <dgm:txLinClrLst/>
+    <dgm:txFillClrLst meth="repeat">
+      <a:schemeClr val="dk1"/>
+    </dgm:txFillClrLst>
+    <dgm:txEffectClrLst/>
+  </dgm:styleLbl>
+  <dgm:styleLbl name="fgAccFollowNode1">
+    <dgm:fillClrLst meth="repeat">
+      <a:schemeClr val="accent1">
+        <a:alpha val="90000"/>
+        <a:tint val="40000"/>
+      </a:schemeClr>
+    </dgm:fillClrLst>
+    <dgm:linClrLst meth="repeat">
+      <a:schemeClr val="accent1">
+        <a:alpha val="90000"/>
+        <a:tint val="40000"/>
+      </a:schemeClr>
+    </dgm:linClrLst>
+    <dgm:effectClrLst/>
+    <dgm:txLinClrLst/>
+    <dgm:txFillClrLst meth="repeat">
+      <a:schemeClr val="dk1"/>
+    </dgm:txFillClrLst>
+    <dgm:txEffectClrLst/>
+  </dgm:styleLbl>
+  <dgm:styleLbl name="alignAccFollowNode1">
+    <dgm:fillClrLst meth="repeat">
+      <a:schemeClr val="accent1">
+        <a:alpha val="90000"/>
+        <a:tint val="40000"/>
+      </a:schemeClr>
+    </dgm:fillClrLst>
+    <dgm:linClrLst meth="repeat">
+      <a:schemeClr val="accent1">
+        <a:alpha val="90000"/>
+        <a:tint val="40000"/>
+      </a:schemeClr>
+    </dgm:linClrLst>
+    <dgm:effectClrLst/>
+    <dgm:txLinClrLst/>
+    <dgm:txFillClrLst meth="repeat">
+      <a:schemeClr val="dk1"/>
+    </dgm:txFillClrLst>
+    <dgm:txEffectClrLst/>
+  </dgm:styleLbl>
+  <dgm:styleLbl name="bgAccFollowNode1">
+    <dgm:fillClrLst meth="repeat">
+      <a:schemeClr val="accent1">
+        <a:alpha val="90000"/>
+        <a:tint val="40000"/>
+      </a:schemeClr>
+    </dgm:fillClrLst>
+    <dgm:linClrLst meth="repeat">
+      <a:schemeClr val="accent1">
+        <a:alpha val="90000"/>
+        <a:tint val="40000"/>
+      </a:schemeClr>
+    </dgm:linClrLst>
+    <dgm:effectClrLst/>
+    <dgm:txLinClrLst/>
+    <dgm:txFillClrLst meth="repeat">
+      <a:schemeClr val="dk1"/>
+    </dgm:txFillClrLst>
+    <dgm:txEffectClrLst/>
+  </dgm:styleLbl>
+  <dgm:styleLbl name="fgAcc0">
+    <dgm:fillClrLst meth="repeat">
+      <a:schemeClr val="lt1">
+        <a:alpha val="90000"/>
+      </a:schemeClr>
+    </dgm:fillClrLst>
+    <dgm:linClrLst meth="repeat">
+      <a:schemeClr val="accent1"/>
+    </dgm:linClrLst>
+    <dgm:effectClrLst/>
+    <dgm:txLinClrLst/>
+    <dgm:txFillClrLst meth="repeat">
+      <a:schemeClr val="dk1"/>
+    </dgm:txFillClrLst>
+    <dgm:txEffectClrLst/>
+  </dgm:styleLbl>
+  <dgm:styleLbl name="fgAcc2">
+    <dgm:fillClrLst meth="repeat">
+      <a:schemeClr val="lt1">
+        <a:alpha val="90000"/>
+      </a:schemeClr>
+    </dgm:fillClrLst>
+    <dgm:linClrLst meth="repeat">
+      <a:schemeClr val="accent1"/>
+    </dgm:linClrLst>
+    <dgm:effectClrLst/>
+    <dgm:txLinClrLst/>
+    <dgm:txFillClrLst meth="repeat">
+      <a:schemeClr val="dk1"/>
+    </dgm:txFillClrLst>
+    <dgm:txEffectClrLst/>
+  </dgm:styleLbl>
+  <dgm:styleLbl name="fgAcc3">
+    <dgm:fillClrLst meth="repeat">
+      <a:schemeClr val="lt1">
+        <a:alpha val="90000"/>
+      </a:schemeClr>
+    </dgm:fillClrLst>
+    <dgm:linClrLst meth="repeat">
+      <a:schemeClr val="accent1"/>
+    </dgm:linClrLst>
+    <dgm:effectClrLst/>
+    <dgm:txLinClrLst/>
+    <dgm:txFillClrLst meth="repeat">
+      <a:schemeClr val="dk1"/>
+    </dgm:txFillClrLst>
+    <dgm:txEffectClrLst/>
+  </dgm:styleLbl>
+  <dgm:styleLbl name="fgAcc4">
+    <dgm:fillClrLst meth="repeat">
+      <a:schemeClr val="lt1">
+        <a:alpha val="90000"/>
+      </a:schemeClr>
+    </dgm:fillClrLst>
+    <dgm:linClrLst meth="repeat">
+      <a:schemeClr val="accent1"/>
+    </dgm:linClrLst>
+    <dgm:effectClrLst/>
+    <dgm:txLinClrLst/>
+    <dgm:txFillClrLst meth="repeat">
+      <a:schemeClr val="dk1"/>
+    </dgm:txFillClrLst>
+    <dgm:txEffectClrLst/>
+  </dgm:styleLbl>
+  <dgm:styleLbl name="bgShp">
+    <dgm:fillClrLst meth="repeat">
+      <a:schemeClr val="accent1">
+        <a:tint val="40000"/>
+      </a:schemeClr>
+    </dgm:fillClrLst>
+    <dgm:linClrLst meth="repeat">
+      <a:schemeClr val="accent1"/>
+    </dgm:linClrLst>
+    <dgm:effectClrLst/>
+    <dgm:txLinClrLst/>
+    <dgm:txFillClrLst meth="repeat">
+      <a:schemeClr val="dk1"/>
+    </dgm:txFillClrLst>
+    <dgm:txEffectClrLst/>
+  </dgm:styleLbl>
+  <dgm:styleLbl name="dkBgShp">
+    <dgm:fillClrLst meth="repeat">
+      <a:schemeClr val="accent1">
+        <a:shade val="80000"/>
+      </a:schemeClr>
+    </dgm:fillClrLst>
+    <dgm:linClrLst meth="repeat">
+      <a:schemeClr val="accent1"/>
+    </dgm:linClrLst>
+    <dgm:effectClrLst/>
+    <dgm:txLinClrLst/>
+    <dgm:txFillClrLst meth="repeat">
+      <a:schemeClr val="lt1"/>
+    </dgm:txFillClrLst>
+    <dgm:txEffectClrLst/>
+  </dgm:styleLbl>
+  <dgm:styleLbl name="trBgShp">
+    <dgm:fillClrLst meth="repeat">
+      <a:schemeClr val="accent1">
+        <a:tint val="50000"/>
+        <a:alpha val="40000"/>
+      </a:schemeClr>
+    </dgm:fillClrLst>
+    <dgm:linClrLst meth="repeat">
+      <a:schemeClr val="accent1"/>
+    </dgm:linClrLst>
+    <dgm:effectClrLst/>
+    <dgm:txLinClrLst/>
+    <dgm:txFillClrLst meth="repeat">
+      <a:schemeClr val="lt1"/>
+    </dgm:txFillClrLst>
+    <dgm:txEffectClrLst/>
+  </dgm:styleLbl>
+  <dgm:styleLbl name="fgShp">
+    <dgm:fillClrLst meth="repeat">
+      <a:schemeClr val="accent1">
+        <a:tint val="60000"/>
+      </a:schemeClr>
+    </dgm:fillClrLst>
+    <dgm:linClrLst meth="repeat">
+      <a:schemeClr val="lt1"/>
+    </dgm:linClrLst>
+    <dgm:effectClrLst/>
+    <dgm:txLinClrLst/>
+    <dgm:txFillClrLst meth="repeat">
+      <a:schemeClr val="dk1"/>
+    </dgm:txFillClrLst>
+    <dgm:txEffectClrLst/>
+  </dgm:styleLbl>
+  <dgm:styleLbl name="revTx">
+    <dgm:fillClrLst meth="repeat">
+      <a:schemeClr val="lt1">
+        <a:alpha val="0"/>
+      </a:schemeClr>
+    </dgm:fillClrLst>
+    <dgm:linClrLst meth="repeat">
+      <a:schemeClr val="dk1">
+        <a:alpha val="0"/>
+      </a:schemeClr>
+    </dgm:linClrLst>
+    <dgm:effectClrLst/>
+    <dgm:txLinClrLst/>
+    <dgm:txFillClrLst meth="repeat">
+      <a:schemeClr val="tx1"/>
+    </dgm:txFillClrLst>
+    <dgm:txEffectClrLst/>
+  </dgm:styleLbl>
+</dgm:colorsDef>
+</file>
+
+<file path=ppt/diagrams/colors7.xml><?xml version="1.0" encoding="utf-8"?>
 <dgm:colorsDef xmlns:dgm="http://schemas.openxmlformats.org/drawingml/2006/diagram" xmlns:a="http://schemas.openxmlformats.org/drawingml/2006/main" uniqueId="urn:microsoft.com/office/officeart/2005/8/colors/accent1_2">
   <dgm:title val=""/>
   <dgm:desc val=""/>
@@ -6232,7 +6981,7 @@
 <dgm:dataModel xmlns:dgm="http://schemas.openxmlformats.org/drawingml/2006/diagram" xmlns:a="http://schemas.openxmlformats.org/drawingml/2006/main">
   <dgm:ptLst>
     <dgm:pt modelId="{2DFD887E-E903-4C6D-82E8-F0B08FA05823}" type="doc">
-      <dgm:prSet loTypeId="urn:microsoft.com/office/officeart/2005/8/layout/process1" loCatId="process" qsTypeId="urn:microsoft.com/office/officeart/2005/8/quickstyle/simple1" qsCatId="simple" csTypeId="urn:microsoft.com/office/officeart/2005/8/colors/accent1_2" csCatId="accent1"/>
+      <dgm:prSet loTypeId="urn:microsoft.com/office/officeart/2005/8/layout/process1" loCatId="process" qsTypeId="urn:microsoft.com/office/officeart/2005/8/quickstyle/simple1" qsCatId="simple" csTypeId="urn:microsoft.com/office/officeart/2005/8/colors/accent1_2" csCatId="accent1" phldr="1"/>
       <dgm:spPr/>
       <dgm:t>
         <a:bodyPr/>
@@ -6244,7 +6993,15 @@
     </dgm:pt>
     <dgm:pt modelId="{DE9ECC88-4109-4EF9-AB0B-4256C2EF299B}">
       <dgm:prSet/>
-      <dgm:spPr/>
+      <dgm:spPr>
+        <a:blipFill rotWithShape="0">
+          <a:blip xmlns:r="http://schemas.openxmlformats.org/officeDocument/2006/relationships" r:embed="rId1"/>
+          <a:srcRect/>
+          <a:stretch>
+            <a:fillRect l="-118000" r="-118000"/>
+          </a:stretch>
+        </a:blipFill>
+      </dgm:spPr>
       <dgm:t>
         <a:bodyPr/>
         <a:lstStyle/>
@@ -6301,6 +7058,90 @@
     <dgm:cxn modelId="{02051E55-1E73-4AB4-833B-0594D550C296}" type="presOf" srcId="{2DFD887E-E903-4C6D-82E8-F0B08FA05823}" destId="{83D22057-BAC6-459A-BF61-4C48A209E738}" srcOrd="0" destOrd="0" presId="urn:microsoft.com/office/officeart/2005/8/layout/process1"/>
     <dgm:cxn modelId="{74BA8CE0-D6EB-41A8-B409-58C8E9C780FF}" srcId="{2DFD887E-E903-4C6D-82E8-F0B08FA05823}" destId="{DE9ECC88-4109-4EF9-AB0B-4256C2EF299B}" srcOrd="0" destOrd="0" parTransId="{7894E039-D205-436B-9889-DA590C30ADAE}" sibTransId="{5D9CB420-3F0E-4940-BA30-8F30EFA88637}"/>
     <dgm:cxn modelId="{EA2B85BD-1DD7-4C17-B58A-F43D5D18FBAC}" type="presParOf" srcId="{83D22057-BAC6-459A-BF61-4C48A209E738}" destId="{1DF8F96E-83BA-4A7A-BBEF-D5F67FE0E63E}" srcOrd="0" destOrd="0" presId="urn:microsoft.com/office/officeart/2005/8/layout/process1"/>
+  </dgm:cxnLst>
+  <dgm:bg/>
+  <dgm:whole/>
+  <dgm:extLst>
+    <a:ext uri="http://schemas.microsoft.com/office/drawing/2008/diagram">
+      <dsp:dataModelExt xmlns:dsp="http://schemas.microsoft.com/office/drawing/2008/diagram" relId="rId6" minVer="http://schemas.openxmlformats.org/drawingml/2006/diagram"/>
+    </a:ext>
+  </dgm:extLst>
+</dgm:dataModel>
+</file>
+
+<file path=ppt/diagrams/data7.xml><?xml version="1.0" encoding="utf-8"?>
+<dgm:dataModel xmlns:dgm="http://schemas.openxmlformats.org/drawingml/2006/diagram" xmlns:a="http://schemas.openxmlformats.org/drawingml/2006/main">
+  <dgm:ptLst>
+    <dgm:pt modelId="{11BCF73B-CC65-471A-BAA2-361FD0C07F6C}" type="doc">
+      <dgm:prSet loTypeId="urn:microsoft.com/office/officeart/2005/8/layout/process1" loCatId="process" qsTypeId="urn:microsoft.com/office/officeart/2005/8/quickstyle/simple1" qsCatId="simple" csTypeId="urn:microsoft.com/office/officeart/2005/8/colors/accent1_2" csCatId="accent1"/>
+      <dgm:spPr/>
+      <dgm:t>
+        <a:bodyPr/>
+        <a:lstStyle/>
+        <a:p>
+          <a:endParaRPr lang="en-US"/>
+        </a:p>
+      </dgm:t>
+    </dgm:pt>
+    <dgm:pt modelId="{00659F57-F3CB-4FD0-AE59-0CE537021B9E}">
+      <dgm:prSet/>
+      <dgm:spPr/>
+      <dgm:t>
+        <a:bodyPr/>
+        <a:lstStyle/>
+        <a:p>
+          <a:r>
+            <a:rPr lang="en-US"/>
+            <a:t>Error Checking</a:t>
+          </a:r>
+        </a:p>
+      </dgm:t>
+    </dgm:pt>
+    <dgm:pt modelId="{C30012C0-25BF-4474-9A58-9C7BDD9C0ACD}" type="parTrans" cxnId="{4AD866A8-5F2D-41CA-B066-6AF8F9943457}">
+      <dgm:prSet/>
+      <dgm:spPr/>
+      <dgm:t>
+        <a:bodyPr/>
+        <a:lstStyle/>
+        <a:p>
+          <a:endParaRPr lang="en-US"/>
+        </a:p>
+      </dgm:t>
+    </dgm:pt>
+    <dgm:pt modelId="{595664CD-2F07-46B2-9955-A3E8674CE64F}" type="sibTrans" cxnId="{4AD866A8-5F2D-41CA-B066-6AF8F9943457}">
+      <dgm:prSet/>
+      <dgm:spPr/>
+      <dgm:t>
+        <a:bodyPr/>
+        <a:lstStyle/>
+        <a:p>
+          <a:endParaRPr lang="en-US"/>
+        </a:p>
+      </dgm:t>
+    </dgm:pt>
+    <dgm:pt modelId="{5756A08F-2BF9-466F-9038-000751CA3F85}" type="pres">
+      <dgm:prSet presAssocID="{11BCF73B-CC65-471A-BAA2-361FD0C07F6C}" presName="Name0" presStyleCnt="0">
+        <dgm:presLayoutVars>
+          <dgm:dir/>
+          <dgm:resizeHandles val="exact"/>
+        </dgm:presLayoutVars>
+      </dgm:prSet>
+      <dgm:spPr/>
+    </dgm:pt>
+    <dgm:pt modelId="{FB5B8D6C-A10C-46BD-8F87-844C8CBE0E8B}" type="pres">
+      <dgm:prSet presAssocID="{00659F57-F3CB-4FD0-AE59-0CE537021B9E}" presName="node" presStyleLbl="node1" presStyleIdx="0" presStyleCnt="1" custLinFactNeighborX="47482" custLinFactNeighborY="29013">
+        <dgm:presLayoutVars>
+          <dgm:bulletEnabled val="1"/>
+        </dgm:presLayoutVars>
+      </dgm:prSet>
+      <dgm:spPr/>
+    </dgm:pt>
+  </dgm:ptLst>
+  <dgm:cxnLst>
+    <dgm:cxn modelId="{469C1B77-870B-4748-9B6E-9114F456517B}" type="presOf" srcId="{11BCF73B-CC65-471A-BAA2-361FD0C07F6C}" destId="{5756A08F-2BF9-466F-9038-000751CA3F85}" srcOrd="0" destOrd="0" presId="urn:microsoft.com/office/officeart/2005/8/layout/process1"/>
+    <dgm:cxn modelId="{4AD866A8-5F2D-41CA-B066-6AF8F9943457}" srcId="{11BCF73B-CC65-471A-BAA2-361FD0C07F6C}" destId="{00659F57-F3CB-4FD0-AE59-0CE537021B9E}" srcOrd="0" destOrd="0" parTransId="{C30012C0-25BF-4474-9A58-9C7BDD9C0ACD}" sibTransId="{595664CD-2F07-46B2-9955-A3E8674CE64F}"/>
+    <dgm:cxn modelId="{027F46EF-F02E-42BF-9139-91462E37D7A2}" type="presOf" srcId="{00659F57-F3CB-4FD0-AE59-0CE537021B9E}" destId="{FB5B8D6C-A10C-46BD-8F87-844C8CBE0E8B}" srcOrd="0" destOrd="0" presId="urn:microsoft.com/office/officeart/2005/8/layout/process1"/>
+    <dgm:cxn modelId="{B100D2FF-384B-41EE-A5E9-6BF693CD88D3}" type="presParOf" srcId="{5756A08F-2BF9-466F-9038-000751CA3F85}" destId="{FB5B8D6C-A10C-46BD-8F87-844C8CBE0E8B}" srcOrd="0" destOrd="0" presId="urn:microsoft.com/office/officeart/2005/8/layout/process1"/>
   </dgm:cxnLst>
   <dgm:bg/>
   <dgm:whole/>
@@ -7534,6 +8375,97 @@
             <a:gd name="adj" fmla="val 10000"/>
           </a:avLst>
         </a:prstGeom>
+        <a:blipFill rotWithShape="0">
+          <a:blip xmlns:r="http://schemas.openxmlformats.org/officeDocument/2006/relationships" r:embed="rId1"/>
+          <a:srcRect/>
+          <a:stretch>
+            <a:fillRect l="-118000" r="-118000"/>
+          </a:stretch>
+        </a:blipFill>
+        <a:ln w="25400" cap="flat" cmpd="sng" algn="ctr">
+          <a:solidFill>
+            <a:schemeClr val="lt1">
+              <a:hueOff val="0"/>
+              <a:satOff val="0"/>
+              <a:lumOff val="0"/>
+              <a:alphaOff val="0"/>
+            </a:schemeClr>
+          </a:solidFill>
+          <a:prstDash val="solid"/>
+          <a:miter/>
+        </a:ln>
+        <a:effectLst/>
+      </dsp:spPr>
+      <dsp:style>
+        <a:lnRef idx="2">
+          <a:scrgbClr r="0" g="0" b="0"/>
+        </a:lnRef>
+        <a:fillRef idx="1">
+          <a:scrgbClr r="0" g="0" b="0"/>
+        </a:fillRef>
+        <a:effectRef idx="0">
+          <a:scrgbClr r="0" g="0" b="0"/>
+        </a:effectRef>
+        <a:fontRef idx="minor">
+          <a:schemeClr val="lt1"/>
+        </a:fontRef>
+      </dsp:style>
+      <dsp:txBody>
+        <a:bodyPr spcFirstLastPara="0" vert="horz" wrap="square" lIns="60960" tIns="60960" rIns="60960" bIns="60960" numCol="1" spcCol="1270" anchor="ctr" anchorCtr="0">
+          <a:noAutofit/>
+        </a:bodyPr>
+        <a:lstStyle/>
+        <a:p>
+          <a:pPr marL="0" lvl="0" indent="0" algn="ctr" defTabSz="711200">
+            <a:lnSpc>
+              <a:spcPct val="90000"/>
+            </a:lnSpc>
+            <a:spcBef>
+              <a:spcPct val="0"/>
+            </a:spcBef>
+            <a:spcAft>
+              <a:spcPct val="35000"/>
+            </a:spcAft>
+            <a:buNone/>
+          </a:pPr>
+          <a:r>
+            <a:rPr lang="en-US" sz="1600" kern="1200"/>
+            <a:t>Dynamic Analysis</a:t>
+          </a:r>
+        </a:p>
+      </dsp:txBody>
+      <dsp:txXfrm>
+        <a:off x="12997" y="10817"/>
+        <a:ext cx="4438849" cy="347698"/>
+      </dsp:txXfrm>
+    </dsp:sp>
+  </dsp:spTree>
+</dsp:drawing>
+</file>
+
+<file path=ppt/diagrams/drawing7.xml><?xml version="1.0" encoding="utf-8"?>
+<dsp:drawing xmlns:dgm="http://schemas.openxmlformats.org/drawingml/2006/diagram" xmlns:dsp="http://schemas.microsoft.com/office/drawing/2008/diagram" xmlns:a="http://schemas.openxmlformats.org/drawingml/2006/main">
+  <dsp:spTree>
+    <dsp:nvGrpSpPr>
+      <dsp:cNvPr id="0" name=""/>
+      <dsp:cNvGrpSpPr/>
+    </dsp:nvGrpSpPr>
+    <dsp:grpSpPr/>
+    <dsp:sp modelId="{FB5B8D6C-A10C-46BD-8F87-844C8CBE0E8B}">
+      <dsp:nvSpPr>
+        <dsp:cNvPr id="0" name=""/>
+        <dsp:cNvSpPr/>
+      </dsp:nvSpPr>
+      <dsp:spPr>
+        <a:xfrm>
+          <a:off x="2002" y="0"/>
+          <a:ext cx="2048253" cy="369332"/>
+        </a:xfrm>
+        <a:prstGeom prst="roundRect">
+          <a:avLst>
+            <a:gd name="adj" fmla="val 10000"/>
+          </a:avLst>
+        </a:prstGeom>
         <a:solidFill>
           <a:schemeClr val="accent1">
             <a:hueOff val="0"/>
@@ -7590,13 +8522,13 @@
           </a:pPr>
           <a:r>
             <a:rPr lang="en-US" sz="1600" kern="1200"/>
-            <a:t>Dynamic Analysis</a:t>
+            <a:t>Error Checking</a:t>
           </a:r>
         </a:p>
       </dsp:txBody>
       <dsp:txXfrm>
-        <a:off x="12997" y="10817"/>
-        <a:ext cx="4438849" cy="347698"/>
+        <a:off x="12819" y="10817"/>
+        <a:ext cx="2026619" cy="347698"/>
       </dsp:txXfrm>
     </dsp:sp>
   </dsp:spTree>
@@ -8848,6 +9780,152 @@
 </dgm:layoutDef>
 </file>
 
+<file path=ppt/diagrams/layout7.xml><?xml version="1.0" encoding="utf-8"?>
+<dgm:layoutDef xmlns:dgm="http://schemas.openxmlformats.org/drawingml/2006/diagram" xmlns:a="http://schemas.openxmlformats.org/drawingml/2006/main" uniqueId="urn:microsoft.com/office/officeart/2005/8/layout/process1">
+  <dgm:title val=""/>
+  <dgm:desc val=""/>
+  <dgm:catLst>
+    <dgm:cat type="process" pri="1000"/>
+    <dgm:cat type="convert" pri="15000"/>
+  </dgm:catLst>
+  <dgm:sampData useDef="1">
+    <dgm:dataModel>
+      <dgm:ptLst/>
+      <dgm:bg/>
+      <dgm:whole/>
+    </dgm:dataModel>
+  </dgm:sampData>
+  <dgm:styleData>
+    <dgm:dataModel>
+      <dgm:ptLst>
+        <dgm:pt modelId="0" type="doc"/>
+        <dgm:pt modelId="1"/>
+        <dgm:pt modelId="2"/>
+      </dgm:ptLst>
+      <dgm:cxnLst>
+        <dgm:cxn modelId="3" srcId="0" destId="1" srcOrd="0" destOrd="0"/>
+        <dgm:cxn modelId="4" srcId="0" destId="2" srcOrd="1" destOrd="0"/>
+      </dgm:cxnLst>
+      <dgm:bg/>
+      <dgm:whole/>
+    </dgm:dataModel>
+  </dgm:styleData>
+  <dgm:clrData>
+    <dgm:dataModel>
+      <dgm:ptLst>
+        <dgm:pt modelId="0" type="doc"/>
+        <dgm:pt modelId="1"/>
+        <dgm:pt modelId="2"/>
+        <dgm:pt modelId="3"/>
+        <dgm:pt modelId="4"/>
+      </dgm:ptLst>
+      <dgm:cxnLst>
+        <dgm:cxn modelId="5" srcId="0" destId="1" srcOrd="0" destOrd="0"/>
+        <dgm:cxn modelId="6" srcId="0" destId="2" srcOrd="1" destOrd="0"/>
+        <dgm:cxn modelId="7" srcId="0" destId="3" srcOrd="2" destOrd="0"/>
+        <dgm:cxn modelId="8" srcId="0" destId="4" srcOrd="3" destOrd="0"/>
+      </dgm:cxnLst>
+      <dgm:bg/>
+      <dgm:whole/>
+    </dgm:dataModel>
+  </dgm:clrData>
+  <dgm:layoutNode name="Name0">
+    <dgm:varLst>
+      <dgm:dir/>
+      <dgm:resizeHandles val="exact"/>
+    </dgm:varLst>
+    <dgm:choose name="Name1">
+      <dgm:if name="Name2" func="var" arg="dir" op="equ" val="norm">
+        <dgm:alg type="lin"/>
+      </dgm:if>
+      <dgm:else name="Name3">
+        <dgm:alg type="lin">
+          <dgm:param type="linDir" val="fromR"/>
+        </dgm:alg>
+      </dgm:else>
+    </dgm:choose>
+    <dgm:shape xmlns:r="http://schemas.openxmlformats.org/officeDocument/2006/relationships" r:blip="">
+      <dgm:adjLst/>
+    </dgm:shape>
+    <dgm:presOf/>
+    <dgm:constrLst>
+      <dgm:constr type="w" for="ch" ptType="node" refType="w"/>
+      <dgm:constr type="h" for="ch" ptType="node" op="equ"/>
+      <dgm:constr type="primFontSz" for="ch" ptType="node" op="equ" val="65"/>
+      <dgm:constr type="w" for="ch" ptType="sibTrans" refType="w" refFor="ch" refPtType="node" op="equ" fact="0.4"/>
+      <dgm:constr type="h" for="ch" ptType="sibTrans" op="equ"/>
+      <dgm:constr type="primFontSz" for="des" forName="connectorText" op="equ" val="55"/>
+      <dgm:constr type="primFontSz" for="des" forName="connectorText" refType="primFontSz" refFor="ch" refPtType="node" op="lte" fact="0.8"/>
+    </dgm:constrLst>
+    <dgm:ruleLst/>
+    <dgm:forEach name="nodesForEach" axis="ch" ptType="node">
+      <dgm:layoutNode name="node">
+        <dgm:varLst>
+          <dgm:bulletEnabled val="1"/>
+        </dgm:varLst>
+        <dgm:alg type="tx"/>
+        <dgm:shape xmlns:r="http://schemas.openxmlformats.org/officeDocument/2006/relationships" type="roundRect" r:blip="">
+          <dgm:adjLst>
+            <dgm:adj idx="1" val="0.1"/>
+          </dgm:adjLst>
+        </dgm:shape>
+        <dgm:presOf axis="desOrSelf" ptType="node"/>
+        <dgm:constrLst>
+          <dgm:constr type="h" refType="w" fact="0.6"/>
+          <dgm:constr type="tMarg" refType="primFontSz" fact="0.3"/>
+          <dgm:constr type="bMarg" refType="primFontSz" fact="0.3"/>
+          <dgm:constr type="lMarg" refType="primFontSz" fact="0.3"/>
+          <dgm:constr type="rMarg" refType="primFontSz" fact="0.3"/>
+        </dgm:constrLst>
+        <dgm:ruleLst>
+          <dgm:rule type="primFontSz" val="18" fact="NaN" max="NaN"/>
+          <dgm:rule type="h" val="NaN" fact="1.5" max="NaN"/>
+          <dgm:rule type="primFontSz" val="5" fact="NaN" max="NaN"/>
+          <dgm:rule type="h" val="INF" fact="NaN" max="NaN"/>
+        </dgm:ruleLst>
+      </dgm:layoutNode>
+      <dgm:forEach name="sibTransForEach" axis="followSib" ptType="sibTrans" cnt="1">
+        <dgm:layoutNode name="sibTrans">
+          <dgm:alg type="conn">
+            <dgm:param type="begPts" val="auto"/>
+            <dgm:param type="endPts" val="auto"/>
+          </dgm:alg>
+          <dgm:shape xmlns:r="http://schemas.openxmlformats.org/officeDocument/2006/relationships" type="conn" r:blip="">
+            <dgm:adjLst/>
+          </dgm:shape>
+          <dgm:presOf axis="self"/>
+          <dgm:constrLst>
+            <dgm:constr type="h" refType="w" fact="0.62"/>
+            <dgm:constr type="connDist"/>
+            <dgm:constr type="begPad" refType="connDist" fact="0.25"/>
+            <dgm:constr type="endPad" refType="connDist" fact="0.22"/>
+          </dgm:constrLst>
+          <dgm:ruleLst/>
+          <dgm:layoutNode name="connectorText">
+            <dgm:alg type="tx">
+              <dgm:param type="autoTxRot" val="grav"/>
+            </dgm:alg>
+            <dgm:shape xmlns:r="http://schemas.openxmlformats.org/officeDocument/2006/relationships" type="conn" r:blip="" hideGeom="1">
+              <dgm:adjLst/>
+            </dgm:shape>
+            <dgm:presOf axis="self"/>
+            <dgm:constrLst>
+              <dgm:constr type="lMarg"/>
+              <dgm:constr type="rMarg"/>
+              <dgm:constr type="tMarg"/>
+              <dgm:constr type="bMarg"/>
+            </dgm:constrLst>
+            <dgm:ruleLst>
+              <dgm:rule type="primFontSz" val="5" fact="NaN" max="NaN"/>
+            </dgm:ruleLst>
+          </dgm:layoutNode>
+        </dgm:layoutNode>
+      </dgm:forEach>
+    </dgm:forEach>
+  </dgm:layoutNode>
+</dgm:layoutDef>
+</file>
+
 <file path=ppt/diagrams/quickStyle1.xml><?xml version="1.0" encoding="utf-8"?>
 <dgm:styleDef xmlns:dgm="http://schemas.openxmlformats.org/drawingml/2006/diagram" xmlns:a="http://schemas.openxmlformats.org/drawingml/2006/main" uniqueId="urn:microsoft.com/office/officeart/2005/8/quickstyle/simple1">
   <dgm:title val=""/>
@@ -14019,6 +15097,1040 @@
 </file>
 
 <file path=ppt/diagrams/quickStyle6.xml><?xml version="1.0" encoding="utf-8"?>
+<dgm:styleDef xmlns:dgm="http://schemas.openxmlformats.org/drawingml/2006/diagram" xmlns:a="http://schemas.openxmlformats.org/drawingml/2006/main" uniqueId="urn:microsoft.com/office/officeart/2005/8/quickstyle/simple1">
+  <dgm:title val=""/>
+  <dgm:desc val=""/>
+  <dgm:catLst>
+    <dgm:cat type="simple" pri="10100"/>
+  </dgm:catLst>
+  <dgm:scene3d>
+    <a:camera prst="orthographicFront"/>
+    <a:lightRig rig="threePt" dir="t"/>
+  </dgm:scene3d>
+  <dgm:styleLbl name="node0">
+    <dgm:scene3d>
+      <a:camera prst="orthographicFront"/>
+      <a:lightRig rig="threePt" dir="t"/>
+    </dgm:scene3d>
+    <dgm:sp3d/>
+    <dgm:txPr/>
+    <dgm:style>
+      <a:lnRef idx="2">
+        <a:scrgbClr r="0" g="0" b="0"/>
+      </a:lnRef>
+      <a:fillRef idx="1">
+        <a:scrgbClr r="0" g="0" b="0"/>
+      </a:fillRef>
+      <a:effectRef idx="0">
+        <a:scrgbClr r="0" g="0" b="0"/>
+      </a:effectRef>
+      <a:fontRef idx="minor">
+        <a:schemeClr val="lt1"/>
+      </a:fontRef>
+    </dgm:style>
+  </dgm:styleLbl>
+  <dgm:styleLbl name="lnNode1">
+    <dgm:scene3d>
+      <a:camera prst="orthographicFront"/>
+      <a:lightRig rig="threePt" dir="t"/>
+    </dgm:scene3d>
+    <dgm:sp3d/>
+    <dgm:txPr/>
+    <dgm:style>
+      <a:lnRef idx="2">
+        <a:scrgbClr r="0" g="0" b="0"/>
+      </a:lnRef>
+      <a:fillRef idx="1">
+        <a:scrgbClr r="0" g="0" b="0"/>
+      </a:fillRef>
+      <a:effectRef idx="0">
+        <a:scrgbClr r="0" g="0" b="0"/>
+      </a:effectRef>
+      <a:fontRef idx="minor">
+        <a:schemeClr val="lt1"/>
+      </a:fontRef>
+    </dgm:style>
+  </dgm:styleLbl>
+  <dgm:styleLbl name="vennNode1">
+    <dgm:scene3d>
+      <a:camera prst="orthographicFront"/>
+      <a:lightRig rig="threePt" dir="t"/>
+    </dgm:scene3d>
+    <dgm:sp3d/>
+    <dgm:txPr/>
+    <dgm:style>
+      <a:lnRef idx="2">
+        <a:scrgbClr r="0" g="0" b="0"/>
+      </a:lnRef>
+      <a:fillRef idx="1">
+        <a:scrgbClr r="0" g="0" b="0"/>
+      </a:fillRef>
+      <a:effectRef idx="0">
+        <a:scrgbClr r="0" g="0" b="0"/>
+      </a:effectRef>
+      <a:fontRef idx="minor">
+        <a:schemeClr val="tx1"/>
+      </a:fontRef>
+    </dgm:style>
+  </dgm:styleLbl>
+  <dgm:styleLbl name="alignNode1">
+    <dgm:scene3d>
+      <a:camera prst="orthographicFront"/>
+      <a:lightRig rig="threePt" dir="t"/>
+    </dgm:scene3d>
+    <dgm:sp3d/>
+    <dgm:txPr/>
+    <dgm:style>
+      <a:lnRef idx="2">
+        <a:scrgbClr r="0" g="0" b="0"/>
+      </a:lnRef>
+      <a:fillRef idx="1">
+        <a:scrgbClr r="0" g="0" b="0"/>
+      </a:fillRef>
+      <a:effectRef idx="0">
+        <a:scrgbClr r="0" g="0" b="0"/>
+      </a:effectRef>
+      <a:fontRef idx="minor">
+        <a:schemeClr val="lt1"/>
+      </a:fontRef>
+    </dgm:style>
+  </dgm:styleLbl>
+  <dgm:styleLbl name="node1">
+    <dgm:scene3d>
+      <a:camera prst="orthographicFront"/>
+      <a:lightRig rig="threePt" dir="t"/>
+    </dgm:scene3d>
+    <dgm:sp3d/>
+    <dgm:txPr/>
+    <dgm:style>
+      <a:lnRef idx="2">
+        <a:scrgbClr r="0" g="0" b="0"/>
+      </a:lnRef>
+      <a:fillRef idx="1">
+        <a:scrgbClr r="0" g="0" b="0"/>
+      </a:fillRef>
+      <a:effectRef idx="0">
+        <a:scrgbClr r="0" g="0" b="0"/>
+      </a:effectRef>
+      <a:fontRef idx="minor">
+        <a:schemeClr val="lt1"/>
+      </a:fontRef>
+    </dgm:style>
+  </dgm:styleLbl>
+  <dgm:styleLbl name="node2">
+    <dgm:scene3d>
+      <a:camera prst="orthographicFront"/>
+      <a:lightRig rig="threePt" dir="t"/>
+    </dgm:scene3d>
+    <dgm:sp3d/>
+    <dgm:txPr/>
+    <dgm:style>
+      <a:lnRef idx="2">
+        <a:scrgbClr r="0" g="0" b="0"/>
+      </a:lnRef>
+      <a:fillRef idx="1">
+        <a:scrgbClr r="0" g="0" b="0"/>
+      </a:fillRef>
+      <a:effectRef idx="0">
+        <a:scrgbClr r="0" g="0" b="0"/>
+      </a:effectRef>
+      <a:fontRef idx="minor">
+        <a:schemeClr val="lt1"/>
+      </a:fontRef>
+    </dgm:style>
+  </dgm:styleLbl>
+  <dgm:styleLbl name="node3">
+    <dgm:scene3d>
+      <a:camera prst="orthographicFront"/>
+      <a:lightRig rig="threePt" dir="t"/>
+    </dgm:scene3d>
+    <dgm:sp3d/>
+    <dgm:txPr/>
+    <dgm:style>
+      <a:lnRef idx="2">
+        <a:scrgbClr r="0" g="0" b="0"/>
+      </a:lnRef>
+      <a:fillRef idx="1">
+        <a:scrgbClr r="0" g="0" b="0"/>
+      </a:fillRef>
+      <a:effectRef idx="0">
+        <a:scrgbClr r="0" g="0" b="0"/>
+      </a:effectRef>
+      <a:fontRef idx="minor">
+        <a:schemeClr val="lt1"/>
+      </a:fontRef>
+    </dgm:style>
+  </dgm:styleLbl>
+  <dgm:styleLbl name="node4">
+    <dgm:scene3d>
+      <a:camera prst="orthographicFront"/>
+      <a:lightRig rig="threePt" dir="t"/>
+    </dgm:scene3d>
+    <dgm:sp3d/>
+    <dgm:txPr/>
+    <dgm:style>
+      <a:lnRef idx="2">
+        <a:scrgbClr r="0" g="0" b="0"/>
+      </a:lnRef>
+      <a:fillRef idx="1">
+        <a:scrgbClr r="0" g="0" b="0"/>
+      </a:fillRef>
+      <a:effectRef idx="0">
+        <a:scrgbClr r="0" g="0" b="0"/>
+      </a:effectRef>
+      <a:fontRef idx="minor">
+        <a:schemeClr val="lt1"/>
+      </a:fontRef>
+    </dgm:style>
+  </dgm:styleLbl>
+  <dgm:styleLbl name="fgImgPlace1">
+    <dgm:scene3d>
+      <a:camera prst="orthographicFront"/>
+      <a:lightRig rig="threePt" dir="t"/>
+    </dgm:scene3d>
+    <dgm:sp3d/>
+    <dgm:txPr/>
+    <dgm:style>
+      <a:lnRef idx="2">
+        <a:scrgbClr r="0" g="0" b="0"/>
+      </a:lnRef>
+      <a:fillRef idx="1">
+        <a:scrgbClr r="0" g="0" b="0"/>
+      </a:fillRef>
+      <a:effectRef idx="0">
+        <a:scrgbClr r="0" g="0" b="0"/>
+      </a:effectRef>
+      <a:fontRef idx="minor"/>
+    </dgm:style>
+  </dgm:styleLbl>
+  <dgm:styleLbl name="alignImgPlace1">
+    <dgm:scene3d>
+      <a:camera prst="orthographicFront"/>
+      <a:lightRig rig="threePt" dir="t"/>
+    </dgm:scene3d>
+    <dgm:sp3d/>
+    <dgm:txPr/>
+    <dgm:style>
+      <a:lnRef idx="2">
+        <a:scrgbClr r="0" g="0" b="0"/>
+      </a:lnRef>
+      <a:fillRef idx="1">
+        <a:scrgbClr r="0" g="0" b="0"/>
+      </a:fillRef>
+      <a:effectRef idx="0">
+        <a:scrgbClr r="0" g="0" b="0"/>
+      </a:effectRef>
+      <a:fontRef idx="minor"/>
+    </dgm:style>
+  </dgm:styleLbl>
+  <dgm:styleLbl name="bgImgPlace1">
+    <dgm:scene3d>
+      <a:camera prst="orthographicFront"/>
+      <a:lightRig rig="threePt" dir="t"/>
+    </dgm:scene3d>
+    <dgm:sp3d/>
+    <dgm:txPr/>
+    <dgm:style>
+      <a:lnRef idx="2">
+        <a:scrgbClr r="0" g="0" b="0"/>
+      </a:lnRef>
+      <a:fillRef idx="1">
+        <a:scrgbClr r="0" g="0" b="0"/>
+      </a:fillRef>
+      <a:effectRef idx="0">
+        <a:scrgbClr r="0" g="0" b="0"/>
+      </a:effectRef>
+      <a:fontRef idx="minor"/>
+    </dgm:style>
+  </dgm:styleLbl>
+  <dgm:styleLbl name="sibTrans2D1">
+    <dgm:scene3d>
+      <a:camera prst="orthographicFront"/>
+      <a:lightRig rig="threePt" dir="t"/>
+    </dgm:scene3d>
+    <dgm:sp3d/>
+    <dgm:txPr/>
+    <dgm:style>
+      <a:lnRef idx="0">
+        <a:scrgbClr r="0" g="0" b="0"/>
+      </a:lnRef>
+      <a:fillRef idx="1">
+        <a:scrgbClr r="0" g="0" b="0"/>
+      </a:fillRef>
+      <a:effectRef idx="0">
+        <a:scrgbClr r="0" g="0" b="0"/>
+      </a:effectRef>
+      <a:fontRef idx="minor">
+        <a:schemeClr val="lt1"/>
+      </a:fontRef>
+    </dgm:style>
+  </dgm:styleLbl>
+  <dgm:styleLbl name="fgSibTrans2D1">
+    <dgm:scene3d>
+      <a:camera prst="orthographicFront"/>
+      <a:lightRig rig="threePt" dir="t"/>
+    </dgm:scene3d>
+    <dgm:sp3d/>
+    <dgm:txPr/>
+    <dgm:style>
+      <a:lnRef idx="0">
+        <a:scrgbClr r="0" g="0" b="0"/>
+      </a:lnRef>
+      <a:fillRef idx="1">
+        <a:scrgbClr r="0" g="0" b="0"/>
+      </a:fillRef>
+      <a:effectRef idx="0">
+        <a:scrgbClr r="0" g="0" b="0"/>
+      </a:effectRef>
+      <a:fontRef idx="minor">
+        <a:schemeClr val="lt1"/>
+      </a:fontRef>
+    </dgm:style>
+  </dgm:styleLbl>
+  <dgm:styleLbl name="bgSibTrans2D1">
+    <dgm:scene3d>
+      <a:camera prst="orthographicFront"/>
+      <a:lightRig rig="threePt" dir="t"/>
+    </dgm:scene3d>
+    <dgm:sp3d/>
+    <dgm:txPr/>
+    <dgm:style>
+      <a:lnRef idx="0">
+        <a:scrgbClr r="0" g="0" b="0"/>
+      </a:lnRef>
+      <a:fillRef idx="1">
+        <a:scrgbClr r="0" g="0" b="0"/>
+      </a:fillRef>
+      <a:effectRef idx="0">
+        <a:scrgbClr r="0" g="0" b="0"/>
+      </a:effectRef>
+      <a:fontRef idx="minor">
+        <a:schemeClr val="lt1"/>
+      </a:fontRef>
+    </dgm:style>
+  </dgm:styleLbl>
+  <dgm:styleLbl name="sibTrans1D1">
+    <dgm:scene3d>
+      <a:camera prst="orthographicFront"/>
+      <a:lightRig rig="threePt" dir="t"/>
+    </dgm:scene3d>
+    <dgm:sp3d/>
+    <dgm:txPr/>
+    <dgm:style>
+      <a:lnRef idx="1">
+        <a:scrgbClr r="0" g="0" b="0"/>
+      </a:lnRef>
+      <a:fillRef idx="0">
+        <a:scrgbClr r="0" g="0" b="0"/>
+      </a:fillRef>
+      <a:effectRef idx="0">
+        <a:scrgbClr r="0" g="0" b="0"/>
+      </a:effectRef>
+      <a:fontRef idx="minor"/>
+    </dgm:style>
+  </dgm:styleLbl>
+  <dgm:styleLbl name="callout">
+    <dgm:scene3d>
+      <a:camera prst="orthographicFront"/>
+      <a:lightRig rig="threePt" dir="t"/>
+    </dgm:scene3d>
+    <dgm:sp3d/>
+    <dgm:txPr/>
+    <dgm:style>
+      <a:lnRef idx="2">
+        <a:scrgbClr r="0" g="0" b="0"/>
+      </a:lnRef>
+      <a:fillRef idx="1">
+        <a:scrgbClr r="0" g="0" b="0"/>
+      </a:fillRef>
+      <a:effectRef idx="0">
+        <a:scrgbClr r="0" g="0" b="0"/>
+      </a:effectRef>
+      <a:fontRef idx="minor"/>
+    </dgm:style>
+  </dgm:styleLbl>
+  <dgm:styleLbl name="asst0">
+    <dgm:scene3d>
+      <a:camera prst="orthographicFront"/>
+      <a:lightRig rig="threePt" dir="t"/>
+    </dgm:scene3d>
+    <dgm:sp3d/>
+    <dgm:txPr/>
+    <dgm:style>
+      <a:lnRef idx="2">
+        <a:scrgbClr r="0" g="0" b="0"/>
+      </a:lnRef>
+      <a:fillRef idx="1">
+        <a:scrgbClr r="0" g="0" b="0"/>
+      </a:fillRef>
+      <a:effectRef idx="0">
+        <a:scrgbClr r="0" g="0" b="0"/>
+      </a:effectRef>
+      <a:fontRef idx="minor">
+        <a:schemeClr val="lt1"/>
+      </a:fontRef>
+    </dgm:style>
+  </dgm:styleLbl>
+  <dgm:styleLbl name="asst1">
+    <dgm:scene3d>
+      <a:camera prst="orthographicFront"/>
+      <a:lightRig rig="threePt" dir="t"/>
+    </dgm:scene3d>
+    <dgm:sp3d/>
+    <dgm:txPr/>
+    <dgm:style>
+      <a:lnRef idx="2">
+        <a:scrgbClr r="0" g="0" b="0"/>
+      </a:lnRef>
+      <a:fillRef idx="1">
+        <a:scrgbClr r="0" g="0" b="0"/>
+      </a:fillRef>
+      <a:effectRef idx="0">
+        <a:scrgbClr r="0" g="0" b="0"/>
+      </a:effectRef>
+      <a:fontRef idx="minor">
+        <a:schemeClr val="lt1"/>
+      </a:fontRef>
+    </dgm:style>
+  </dgm:styleLbl>
+  <dgm:styleLbl name="asst2">
+    <dgm:scene3d>
+      <a:camera prst="orthographicFront"/>
+      <a:lightRig rig="threePt" dir="t"/>
+    </dgm:scene3d>
+    <dgm:sp3d/>
+    <dgm:txPr/>
+    <dgm:style>
+      <a:lnRef idx="2">
+        <a:scrgbClr r="0" g="0" b="0"/>
+      </a:lnRef>
+      <a:fillRef idx="1">
+        <a:scrgbClr r="0" g="0" b="0"/>
+      </a:fillRef>
+      <a:effectRef idx="0">
+        <a:scrgbClr r="0" g="0" b="0"/>
+      </a:effectRef>
+      <a:fontRef idx="minor">
+        <a:schemeClr val="lt1"/>
+      </a:fontRef>
+    </dgm:style>
+  </dgm:styleLbl>
+  <dgm:styleLbl name="asst3">
+    <dgm:scene3d>
+      <a:camera prst="orthographicFront"/>
+      <a:lightRig rig="threePt" dir="t"/>
+    </dgm:scene3d>
+    <dgm:sp3d/>
+    <dgm:txPr/>
+    <dgm:style>
+      <a:lnRef idx="2">
+        <a:scrgbClr r="0" g="0" b="0"/>
+      </a:lnRef>
+      <a:fillRef idx="1">
+        <a:scrgbClr r="0" g="0" b="0"/>
+      </a:fillRef>
+      <a:effectRef idx="0">
+        <a:scrgbClr r="0" g="0" b="0"/>
+      </a:effectRef>
+      <a:fontRef idx="minor">
+        <a:schemeClr val="lt1"/>
+      </a:fontRef>
+    </dgm:style>
+  </dgm:styleLbl>
+  <dgm:styleLbl name="asst4">
+    <dgm:scene3d>
+      <a:camera prst="orthographicFront"/>
+      <a:lightRig rig="threePt" dir="t"/>
+    </dgm:scene3d>
+    <dgm:sp3d/>
+    <dgm:txPr/>
+    <dgm:style>
+      <a:lnRef idx="2">
+        <a:scrgbClr r="0" g="0" b="0"/>
+      </a:lnRef>
+      <a:fillRef idx="1">
+        <a:scrgbClr r="0" g="0" b="0"/>
+      </a:fillRef>
+      <a:effectRef idx="0">
+        <a:scrgbClr r="0" g="0" b="0"/>
+      </a:effectRef>
+      <a:fontRef idx="minor">
+        <a:schemeClr val="lt1"/>
+      </a:fontRef>
+    </dgm:style>
+  </dgm:styleLbl>
+  <dgm:styleLbl name="parChTrans2D1">
+    <dgm:scene3d>
+      <a:camera prst="orthographicFront"/>
+      <a:lightRig rig="threePt" dir="t"/>
+    </dgm:scene3d>
+    <dgm:sp3d/>
+    <dgm:txPr/>
+    <dgm:style>
+      <a:lnRef idx="2">
+        <a:scrgbClr r="0" g="0" b="0"/>
+      </a:lnRef>
+      <a:fillRef idx="1">
+        <a:scrgbClr r="0" g="0" b="0"/>
+      </a:fillRef>
+      <a:effectRef idx="0">
+        <a:scrgbClr r="0" g="0" b="0"/>
+      </a:effectRef>
+      <a:fontRef idx="minor">
+        <a:schemeClr val="lt1"/>
+      </a:fontRef>
+    </dgm:style>
+  </dgm:styleLbl>
+  <dgm:styleLbl name="parChTrans2D2">
+    <dgm:scene3d>
+      <a:camera prst="orthographicFront"/>
+      <a:lightRig rig="threePt" dir="t"/>
+    </dgm:scene3d>
+    <dgm:sp3d/>
+    <dgm:txPr/>
+    <dgm:style>
+      <a:lnRef idx="2">
+        <a:scrgbClr r="0" g="0" b="0"/>
+      </a:lnRef>
+      <a:fillRef idx="1">
+        <a:scrgbClr r="0" g="0" b="0"/>
+      </a:fillRef>
+      <a:effectRef idx="0">
+        <a:scrgbClr r="0" g="0" b="0"/>
+      </a:effectRef>
+      <a:fontRef idx="minor">
+        <a:schemeClr val="lt1"/>
+      </a:fontRef>
+    </dgm:style>
+  </dgm:styleLbl>
+  <dgm:styleLbl name="parChTrans2D3">
+    <dgm:scene3d>
+      <a:camera prst="orthographicFront"/>
+      <a:lightRig rig="threePt" dir="t"/>
+    </dgm:scene3d>
+    <dgm:sp3d/>
+    <dgm:txPr/>
+    <dgm:style>
+      <a:lnRef idx="2">
+        <a:scrgbClr r="0" g="0" b="0"/>
+      </a:lnRef>
+      <a:fillRef idx="1">
+        <a:scrgbClr r="0" g="0" b="0"/>
+      </a:fillRef>
+      <a:effectRef idx="0">
+        <a:scrgbClr r="0" g="0" b="0"/>
+      </a:effectRef>
+      <a:fontRef idx="minor">
+        <a:schemeClr val="lt1"/>
+      </a:fontRef>
+    </dgm:style>
+  </dgm:styleLbl>
+  <dgm:styleLbl name="parChTrans2D4">
+    <dgm:scene3d>
+      <a:camera prst="orthographicFront"/>
+      <a:lightRig rig="threePt" dir="t"/>
+    </dgm:scene3d>
+    <dgm:sp3d/>
+    <dgm:txPr/>
+    <dgm:style>
+      <a:lnRef idx="2">
+        <a:scrgbClr r="0" g="0" b="0"/>
+      </a:lnRef>
+      <a:fillRef idx="1">
+        <a:scrgbClr r="0" g="0" b="0"/>
+      </a:fillRef>
+      <a:effectRef idx="0">
+        <a:scrgbClr r="0" g="0" b="0"/>
+      </a:effectRef>
+      <a:fontRef idx="minor">
+        <a:schemeClr val="lt1"/>
+      </a:fontRef>
+    </dgm:style>
+  </dgm:styleLbl>
+  <dgm:styleLbl name="parChTrans1D1">
+    <dgm:scene3d>
+      <a:camera prst="orthographicFront"/>
+      <a:lightRig rig="threePt" dir="t"/>
+    </dgm:scene3d>
+    <dgm:sp3d/>
+    <dgm:txPr/>
+    <dgm:style>
+      <a:lnRef idx="2">
+        <a:scrgbClr r="0" g="0" b="0"/>
+      </a:lnRef>
+      <a:fillRef idx="0">
+        <a:scrgbClr r="0" g="0" b="0"/>
+      </a:fillRef>
+      <a:effectRef idx="0">
+        <a:scrgbClr r="0" g="0" b="0"/>
+      </a:effectRef>
+      <a:fontRef idx="minor"/>
+    </dgm:style>
+  </dgm:styleLbl>
+  <dgm:styleLbl name="parChTrans1D2">
+    <dgm:scene3d>
+      <a:camera prst="orthographicFront"/>
+      <a:lightRig rig="threePt" dir="t"/>
+    </dgm:scene3d>
+    <dgm:sp3d/>
+    <dgm:txPr/>
+    <dgm:style>
+      <a:lnRef idx="2">
+        <a:scrgbClr r="0" g="0" b="0"/>
+      </a:lnRef>
+      <a:fillRef idx="0">
+        <a:scrgbClr r="0" g="0" b="0"/>
+      </a:fillRef>
+      <a:effectRef idx="0">
+        <a:scrgbClr r="0" g="0" b="0"/>
+      </a:effectRef>
+      <a:fontRef idx="minor"/>
+    </dgm:style>
+  </dgm:styleLbl>
+  <dgm:styleLbl name="parChTrans1D3">
+    <dgm:scene3d>
+      <a:camera prst="orthographicFront"/>
+      <a:lightRig rig="threePt" dir="t"/>
+    </dgm:scene3d>
+    <dgm:sp3d/>
+    <dgm:txPr/>
+    <dgm:style>
+      <a:lnRef idx="2">
+        <a:scrgbClr r="0" g="0" b="0"/>
+      </a:lnRef>
+      <a:fillRef idx="0">
+        <a:scrgbClr r="0" g="0" b="0"/>
+      </a:fillRef>
+      <a:effectRef idx="0">
+        <a:scrgbClr r="0" g="0" b="0"/>
+      </a:effectRef>
+      <a:fontRef idx="minor"/>
+    </dgm:style>
+  </dgm:styleLbl>
+  <dgm:styleLbl name="parChTrans1D4">
+    <dgm:scene3d>
+      <a:camera prst="orthographicFront"/>
+      <a:lightRig rig="threePt" dir="t"/>
+    </dgm:scene3d>
+    <dgm:sp3d/>
+    <dgm:txPr/>
+    <dgm:style>
+      <a:lnRef idx="2">
+        <a:scrgbClr r="0" g="0" b="0"/>
+      </a:lnRef>
+      <a:fillRef idx="0">
+        <a:scrgbClr r="0" g="0" b="0"/>
+      </a:fillRef>
+      <a:effectRef idx="0">
+        <a:scrgbClr r="0" g="0" b="0"/>
+      </a:effectRef>
+      <a:fontRef idx="minor"/>
+    </dgm:style>
+  </dgm:styleLbl>
+  <dgm:styleLbl name="fgAcc1">
+    <dgm:scene3d>
+      <a:camera prst="orthographicFront"/>
+      <a:lightRig rig="threePt" dir="t"/>
+    </dgm:scene3d>
+    <dgm:sp3d/>
+    <dgm:txPr/>
+    <dgm:style>
+      <a:lnRef idx="2">
+        <a:scrgbClr r="0" g="0" b="0"/>
+      </a:lnRef>
+      <a:fillRef idx="1">
+        <a:scrgbClr r="0" g="0" b="0"/>
+      </a:fillRef>
+      <a:effectRef idx="0">
+        <a:scrgbClr r="0" g="0" b="0"/>
+      </a:effectRef>
+      <a:fontRef idx="minor"/>
+    </dgm:style>
+  </dgm:styleLbl>
+  <dgm:styleLbl name="conFgAcc1">
+    <dgm:scene3d>
+      <a:camera prst="orthographicFront"/>
+      <a:lightRig rig="threePt" dir="t"/>
+    </dgm:scene3d>
+    <dgm:sp3d/>
+    <dgm:txPr/>
+    <dgm:style>
+      <a:lnRef idx="2">
+        <a:scrgbClr r="0" g="0" b="0"/>
+      </a:lnRef>
+      <a:fillRef idx="1">
+        <a:scrgbClr r="0" g="0" b="0"/>
+      </a:fillRef>
+      <a:effectRef idx="0">
+        <a:scrgbClr r="0" g="0" b="0"/>
+      </a:effectRef>
+      <a:fontRef idx="minor"/>
+    </dgm:style>
+  </dgm:styleLbl>
+  <dgm:styleLbl name="alignAcc1">
+    <dgm:scene3d>
+      <a:camera prst="orthographicFront"/>
+      <a:lightRig rig="threePt" dir="t"/>
+    </dgm:scene3d>
+    <dgm:sp3d/>
+    <dgm:txPr/>
+    <dgm:style>
+      <a:lnRef idx="2">
+        <a:scrgbClr r="0" g="0" b="0"/>
+      </a:lnRef>
+      <a:fillRef idx="1">
+        <a:scrgbClr r="0" g="0" b="0"/>
+      </a:fillRef>
+      <a:effectRef idx="0">
+        <a:scrgbClr r="0" g="0" b="0"/>
+      </a:effectRef>
+      <a:fontRef idx="minor"/>
+    </dgm:style>
+  </dgm:styleLbl>
+  <dgm:styleLbl name="trAlignAcc1">
+    <dgm:scene3d>
+      <a:camera prst="orthographicFront"/>
+      <a:lightRig rig="threePt" dir="t"/>
+    </dgm:scene3d>
+    <dgm:sp3d/>
+    <dgm:txPr/>
+    <dgm:style>
+      <a:lnRef idx="1">
+        <a:scrgbClr r="0" g="0" b="0"/>
+      </a:lnRef>
+      <a:fillRef idx="1">
+        <a:scrgbClr r="0" g="0" b="0"/>
+      </a:fillRef>
+      <a:effectRef idx="0">
+        <a:scrgbClr r="0" g="0" b="0"/>
+      </a:effectRef>
+      <a:fontRef idx="minor"/>
+    </dgm:style>
+  </dgm:styleLbl>
+  <dgm:styleLbl name="bgAcc1">
+    <dgm:scene3d>
+      <a:camera prst="orthographicFront"/>
+      <a:lightRig rig="threePt" dir="t"/>
+    </dgm:scene3d>
+    <dgm:sp3d/>
+    <dgm:txPr/>
+    <dgm:style>
+      <a:lnRef idx="2">
+        <a:scrgbClr r="0" g="0" b="0"/>
+      </a:lnRef>
+      <a:fillRef idx="1">
+        <a:scrgbClr r="0" g="0" b="0"/>
+      </a:fillRef>
+      <a:effectRef idx="0">
+        <a:scrgbClr r="0" g="0" b="0"/>
+      </a:effectRef>
+      <a:fontRef idx="minor"/>
+    </dgm:style>
+  </dgm:styleLbl>
+  <dgm:styleLbl name="solidFgAcc1">
+    <dgm:scene3d>
+      <a:camera prst="orthographicFront"/>
+      <a:lightRig rig="threePt" dir="t"/>
+    </dgm:scene3d>
+    <dgm:sp3d/>
+    <dgm:txPr/>
+    <dgm:style>
+      <a:lnRef idx="2">
+        <a:scrgbClr r="0" g="0" b="0"/>
+      </a:lnRef>
+      <a:fillRef idx="1">
+        <a:scrgbClr r="0" g="0" b="0"/>
+      </a:fillRef>
+      <a:effectRef idx="0">
+        <a:scrgbClr r="0" g="0" b="0"/>
+      </a:effectRef>
+      <a:fontRef idx="minor"/>
+    </dgm:style>
+  </dgm:styleLbl>
+  <dgm:styleLbl name="solidAlignAcc1">
+    <dgm:scene3d>
+      <a:camera prst="orthographicFront"/>
+      <a:lightRig rig="threePt" dir="t"/>
+    </dgm:scene3d>
+    <dgm:sp3d/>
+    <dgm:txPr/>
+    <dgm:style>
+      <a:lnRef idx="2">
+        <a:scrgbClr r="0" g="0" b="0"/>
+      </a:lnRef>
+      <a:fillRef idx="1">
+        <a:scrgbClr r="0" g="0" b="0"/>
+      </a:fillRef>
+      <a:effectRef idx="0">
+        <a:scrgbClr r="0" g="0" b="0"/>
+      </a:effectRef>
+      <a:fontRef idx="minor"/>
+    </dgm:style>
+  </dgm:styleLbl>
+  <dgm:styleLbl name="solidBgAcc1">
+    <dgm:scene3d>
+      <a:camera prst="orthographicFront"/>
+      <a:lightRig rig="threePt" dir="t"/>
+    </dgm:scene3d>
+    <dgm:sp3d/>
+    <dgm:txPr/>
+    <dgm:style>
+      <a:lnRef idx="2">
+        <a:scrgbClr r="0" g="0" b="0"/>
+      </a:lnRef>
+      <a:fillRef idx="1">
+        <a:scrgbClr r="0" g="0" b="0"/>
+      </a:fillRef>
+      <a:effectRef idx="0">
+        <a:scrgbClr r="0" g="0" b="0"/>
+      </a:effectRef>
+      <a:fontRef idx="minor"/>
+    </dgm:style>
+  </dgm:styleLbl>
+  <dgm:styleLbl name="fgAccFollowNode1">
+    <dgm:scene3d>
+      <a:camera prst="orthographicFront"/>
+      <a:lightRig rig="threePt" dir="t"/>
+    </dgm:scene3d>
+    <dgm:sp3d/>
+    <dgm:txPr/>
+    <dgm:style>
+      <a:lnRef idx="2">
+        <a:scrgbClr r="0" g="0" b="0"/>
+      </a:lnRef>
+      <a:fillRef idx="1">
+        <a:scrgbClr r="0" g="0" b="0"/>
+      </a:fillRef>
+      <a:effectRef idx="0">
+        <a:scrgbClr r="0" g="0" b="0"/>
+      </a:effectRef>
+      <a:fontRef idx="minor"/>
+    </dgm:style>
+  </dgm:styleLbl>
+  <dgm:styleLbl name="alignAccFollowNode1">
+    <dgm:scene3d>
+      <a:camera prst="orthographicFront"/>
+      <a:lightRig rig="threePt" dir="t"/>
+    </dgm:scene3d>
+    <dgm:sp3d/>
+    <dgm:txPr/>
+    <dgm:style>
+      <a:lnRef idx="2">
+        <a:scrgbClr r="0" g="0" b="0"/>
+      </a:lnRef>
+      <a:fillRef idx="1">
+        <a:scrgbClr r="0" g="0" b="0"/>
+      </a:fillRef>
+      <a:effectRef idx="0">
+        <a:scrgbClr r="0" g="0" b="0"/>
+      </a:effectRef>
+      <a:fontRef idx="minor"/>
+    </dgm:style>
+  </dgm:styleLbl>
+  <dgm:styleLbl name="bgAccFollowNode1">
+    <dgm:scene3d>
+      <a:camera prst="orthographicFront"/>
+      <a:lightRig rig="threePt" dir="t"/>
+    </dgm:scene3d>
+    <dgm:sp3d/>
+    <dgm:txPr/>
+    <dgm:style>
+      <a:lnRef idx="2">
+        <a:scrgbClr r="0" g="0" b="0"/>
+      </a:lnRef>
+      <a:fillRef idx="1">
+        <a:scrgbClr r="0" g="0" b="0"/>
+      </a:fillRef>
+      <a:effectRef idx="0">
+        <a:scrgbClr r="0" g="0" b="0"/>
+      </a:effectRef>
+      <a:fontRef idx="minor"/>
+    </dgm:style>
+  </dgm:styleLbl>
+  <dgm:styleLbl name="fgAcc0">
+    <dgm:scene3d>
+      <a:camera prst="orthographicFront"/>
+      <a:lightRig rig="threePt" dir="t"/>
+    </dgm:scene3d>
+    <dgm:sp3d/>
+    <dgm:txPr/>
+    <dgm:style>
+      <a:lnRef idx="2">
+        <a:scrgbClr r="0" g="0" b="0"/>
+      </a:lnRef>
+      <a:fillRef idx="1">
+        <a:scrgbClr r="0" g="0" b="0"/>
+      </a:fillRef>
+      <a:effectRef idx="0">
+        <a:scrgbClr r="0" g="0" b="0"/>
+      </a:effectRef>
+      <a:fontRef idx="minor"/>
+    </dgm:style>
+  </dgm:styleLbl>
+  <dgm:styleLbl name="fgAcc2">
+    <dgm:scene3d>
+      <a:camera prst="orthographicFront"/>
+      <a:lightRig rig="threePt" dir="t"/>
+    </dgm:scene3d>
+    <dgm:sp3d/>
+    <dgm:txPr/>
+    <dgm:style>
+      <a:lnRef idx="2">
+        <a:scrgbClr r="0" g="0" b="0"/>
+      </a:lnRef>
+      <a:fillRef idx="1">
+        <a:scrgbClr r="0" g="0" b="0"/>
+      </a:fillRef>
+      <a:effectRef idx="0">
+        <a:scrgbClr r="0" g="0" b="0"/>
+      </a:effectRef>
+      <a:fontRef idx="minor"/>
+    </dgm:style>
+  </dgm:styleLbl>
+  <dgm:styleLbl name="fgAcc3">
+    <dgm:scene3d>
+      <a:camera prst="orthographicFront"/>
+      <a:lightRig rig="threePt" dir="t"/>
+    </dgm:scene3d>
+    <dgm:sp3d/>
+    <dgm:txPr/>
+    <dgm:style>
+      <a:lnRef idx="2">
+        <a:scrgbClr r="0" g="0" b="0"/>
+      </a:lnRef>
+      <a:fillRef idx="1">
+        <a:scrgbClr r="0" g="0" b="0"/>
+      </a:fillRef>
+      <a:effectRef idx="0">
+        <a:scrgbClr r="0" g="0" b="0"/>
+      </a:effectRef>
+      <a:fontRef idx="minor"/>
+    </dgm:style>
+  </dgm:styleLbl>
+  <dgm:styleLbl name="fgAcc4">
+    <dgm:scene3d>
+      <a:camera prst="orthographicFront"/>
+      <a:lightRig rig="threePt" dir="t"/>
+    </dgm:scene3d>
+    <dgm:sp3d/>
+    <dgm:txPr/>
+    <dgm:style>
+      <a:lnRef idx="2">
+        <a:scrgbClr r="0" g="0" b="0"/>
+      </a:lnRef>
+      <a:fillRef idx="1">
+        <a:scrgbClr r="0" g="0" b="0"/>
+      </a:fillRef>
+      <a:effectRef idx="0">
+        <a:scrgbClr r="0" g="0" b="0"/>
+      </a:effectRef>
+      <a:fontRef idx="minor"/>
+    </dgm:style>
+  </dgm:styleLbl>
+  <dgm:styleLbl name="bgShp">
+    <dgm:scene3d>
+      <a:camera prst="orthographicFront"/>
+      <a:lightRig rig="threePt" dir="t"/>
+    </dgm:scene3d>
+    <dgm:sp3d/>
+    <dgm:txPr/>
+    <dgm:style>
+      <a:lnRef idx="0">
+        <a:scrgbClr r="0" g="0" b="0"/>
+      </a:lnRef>
+      <a:fillRef idx="1">
+        <a:scrgbClr r="0" g="0" b="0"/>
+      </a:fillRef>
+      <a:effectRef idx="0">
+        <a:scrgbClr r="0" g="0" b="0"/>
+      </a:effectRef>
+      <a:fontRef idx="minor"/>
+    </dgm:style>
+  </dgm:styleLbl>
+  <dgm:styleLbl name="dkBgShp">
+    <dgm:scene3d>
+      <a:camera prst="orthographicFront"/>
+      <a:lightRig rig="threePt" dir="t"/>
+    </dgm:scene3d>
+    <dgm:sp3d/>
+    <dgm:txPr/>
+    <dgm:style>
+      <a:lnRef idx="0">
+        <a:scrgbClr r="0" g="0" b="0"/>
+      </a:lnRef>
+      <a:fillRef idx="1">
+        <a:scrgbClr r="0" g="0" b="0"/>
+      </a:fillRef>
+      <a:effectRef idx="0">
+        <a:scrgbClr r="0" g="0" b="0"/>
+      </a:effectRef>
+      <a:fontRef idx="minor"/>
+    </dgm:style>
+  </dgm:styleLbl>
+  <dgm:styleLbl name="trBgShp">
+    <dgm:scene3d>
+      <a:camera prst="orthographicFront"/>
+      <a:lightRig rig="threePt" dir="t"/>
+    </dgm:scene3d>
+    <dgm:sp3d/>
+    <dgm:txPr/>
+    <dgm:style>
+      <a:lnRef idx="0">
+        <a:scrgbClr r="0" g="0" b="0"/>
+      </a:lnRef>
+      <a:fillRef idx="1">
+        <a:scrgbClr r="0" g="0" b="0"/>
+      </a:fillRef>
+      <a:effectRef idx="0">
+        <a:scrgbClr r="0" g="0" b="0"/>
+      </a:effectRef>
+      <a:fontRef idx="minor"/>
+    </dgm:style>
+  </dgm:styleLbl>
+  <dgm:styleLbl name="fgShp">
+    <dgm:scene3d>
+      <a:camera prst="orthographicFront"/>
+      <a:lightRig rig="threePt" dir="t"/>
+    </dgm:scene3d>
+    <dgm:sp3d/>
+    <dgm:txPr/>
+    <dgm:style>
+      <a:lnRef idx="2">
+        <a:scrgbClr r="0" g="0" b="0"/>
+      </a:lnRef>
+      <a:fillRef idx="1">
+        <a:scrgbClr r="0" g="0" b="0"/>
+      </a:fillRef>
+      <a:effectRef idx="0">
+        <a:scrgbClr r="0" g="0" b="0"/>
+      </a:effectRef>
+      <a:fontRef idx="minor"/>
+    </dgm:style>
+  </dgm:styleLbl>
+  <dgm:styleLbl name="revTx">
+    <dgm:scene3d>
+      <a:camera prst="orthographicFront"/>
+      <a:lightRig rig="threePt" dir="t"/>
+    </dgm:scene3d>
+    <dgm:sp3d/>
+    <dgm:txPr/>
+    <dgm:style>
+      <a:lnRef idx="0">
+        <a:scrgbClr r="0" g="0" b="0"/>
+      </a:lnRef>
+      <a:fillRef idx="0">
+        <a:scrgbClr r="0" g="0" b="0"/>
+      </a:fillRef>
+      <a:effectRef idx="0">
+        <a:scrgbClr r="0" g="0" b="0"/>
+      </a:effectRef>
+      <a:fontRef idx="minor"/>
+    </dgm:style>
+  </dgm:styleLbl>
+</dgm:styleDef>
+</file>
+
+<file path=ppt/diagrams/quickStyle7.xml><?xml version="1.0" encoding="utf-8"?>
 <dgm:styleDef xmlns:dgm="http://schemas.openxmlformats.org/drawingml/2006/diagram" xmlns:a="http://schemas.openxmlformats.org/drawingml/2006/main" uniqueId="urn:microsoft.com/office/officeart/2005/8/quickstyle/simple1">
   <dgm:title val=""/>
   <dgm:desc val=""/>
@@ -25653,7 +27765,13 @@
             </a:extLst>
           </p:cNvPr>
           <p:cNvGraphicFramePr/>
-          <p:nvPr/>
+          <p:nvPr>
+            <p:extLst>
+              <p:ext uri="{D42A27DB-BD31-4B8C-83A1-F6EECF244321}">
+                <p14:modId xmlns:p14="http://schemas.microsoft.com/office/powerpoint/2010/main" val="4133195827"/>
+              </p:ext>
+            </p:extLst>
+          </p:nvPr>
         </p:nvGraphicFramePr>
         <p:xfrm>
           <a:off x="2043113" y="2014537"/>
@@ -27894,6 +30012,154 @@
 </file>
 
 <file path=ppt/slides/slide22.xml><?xml version="1.0" encoding="utf-8"?>
+<p:sld xmlns:a="http://schemas.openxmlformats.org/drawingml/2006/main" xmlns:r="http://schemas.openxmlformats.org/officeDocument/2006/relationships" xmlns:p="http://schemas.openxmlformats.org/presentationml/2006/main" showMasterSp="0">
+  <p:cSld>
+    <p:spTree>
+      <p:nvGrpSpPr>
+        <p:cNvPr id="1" name=""/>
+        <p:cNvGrpSpPr/>
+        <p:nvPr/>
+      </p:nvGrpSpPr>
+      <p:grpSpPr>
+        <a:xfrm>
+          <a:off x="0" y="0"/>
+          <a:ext cx="0" cy="0"/>
+          <a:chOff x="0" y="0"/>
+          <a:chExt cx="0" cy="0"/>
+        </a:xfrm>
+      </p:grpSpPr>
+      <p:graphicFrame>
+        <p:nvGraphicFramePr>
+          <p:cNvPr id="9" name="Diagram 8">
+            <a:extLst>
+              <a:ext uri="{FF2B5EF4-FFF2-40B4-BE49-F238E27FC236}">
+                <a16:creationId xmlns:a16="http://schemas.microsoft.com/office/drawing/2014/main" id="{600A3542-2147-C7EC-F2C9-0F11E567CC50}"/>
+              </a:ext>
+            </a:extLst>
+          </p:cNvPr>
+          <p:cNvGraphicFramePr/>
+          <p:nvPr>
+            <p:extLst>
+              <p:ext uri="{D42A27DB-BD31-4B8C-83A1-F6EECF244321}">
+                <p14:modId xmlns:p14="http://schemas.microsoft.com/office/powerpoint/2010/main" val="595748415"/>
+              </p:ext>
+            </p:extLst>
+          </p:nvPr>
+        </p:nvGraphicFramePr>
+        <p:xfrm>
+          <a:off x="2928939" y="2202418"/>
+          <a:ext cx="2050256" cy="369332"/>
+        </p:xfrm>
+        <a:graphic>
+          <a:graphicData uri="http://schemas.openxmlformats.org/drawingml/2006/diagram">
+            <dgm:relIds xmlns:dgm="http://schemas.openxmlformats.org/drawingml/2006/diagram" xmlns:r="http://schemas.openxmlformats.org/officeDocument/2006/relationships" r:dm="rId2" r:lo="rId3" r:qs="rId4" r:cs="rId5"/>
+          </a:graphicData>
+        </a:graphic>
+      </p:graphicFrame>
+    </p:spTree>
+    <p:extLst>
+      <p:ext uri="{BB962C8B-B14F-4D97-AF65-F5344CB8AC3E}">
+        <p14:creationId xmlns:p14="http://schemas.microsoft.com/office/powerpoint/2010/main" val="826105285"/>
+      </p:ext>
+    </p:extLst>
+  </p:cSld>
+  <p:clrMapOvr>
+    <a:masterClrMapping/>
+  </p:clrMapOvr>
+</p:sld>
+</file>
+
+<file path=ppt/slides/slide23.xml><?xml version="1.0" encoding="utf-8"?>
+<p:sld xmlns:a="http://schemas.openxmlformats.org/drawingml/2006/main" xmlns:r="http://schemas.openxmlformats.org/officeDocument/2006/relationships" xmlns:p="http://schemas.openxmlformats.org/presentationml/2006/main" showMasterSp="0">
+  <p:cSld>
+    <p:spTree>
+      <p:nvGrpSpPr>
+        <p:cNvPr id="1" name=""/>
+        <p:cNvGrpSpPr/>
+        <p:nvPr/>
+      </p:nvGrpSpPr>
+      <p:grpSpPr>
+        <a:xfrm>
+          <a:off x="0" y="0"/>
+          <a:ext cx="0" cy="0"/>
+          <a:chOff x="0" y="0"/>
+          <a:chExt cx="0" cy="0"/>
+        </a:xfrm>
+      </p:grpSpPr>
+      <p:pic>
+        <p:nvPicPr>
+          <p:cNvPr id="5" name="Picture 4">
+            <a:extLst>
+              <a:ext uri="{FF2B5EF4-FFF2-40B4-BE49-F238E27FC236}">
+                <a16:creationId xmlns:a16="http://schemas.microsoft.com/office/drawing/2014/main" id="{15BEF497-487F-A3E2-1EEE-B0089A95BE02}"/>
+              </a:ext>
+            </a:extLst>
+          </p:cNvPr>
+          <p:cNvPicPr>
+            <a:picLocks noChangeAspect="1"/>
+          </p:cNvPicPr>
+          <p:nvPr/>
+        </p:nvPicPr>
+        <p:blipFill>
+          <a:blip r:embed="rId2"/>
+          <a:stretch>
+            <a:fillRect/>
+          </a:stretch>
+        </p:blipFill>
+        <p:spPr>
+          <a:xfrm>
+            <a:off x="1" y="0"/>
+            <a:ext cx="2686050" cy="5143500"/>
+          </a:xfrm>
+          <a:prstGeom prst="rect">
+            <a:avLst/>
+          </a:prstGeom>
+        </p:spPr>
+      </p:pic>
+      <p:pic>
+        <p:nvPicPr>
+          <p:cNvPr id="7" name="Picture 6">
+            <a:extLst>
+              <a:ext uri="{FF2B5EF4-FFF2-40B4-BE49-F238E27FC236}">
+                <a16:creationId xmlns:a16="http://schemas.microsoft.com/office/drawing/2014/main" id="{83D1F9DD-D6FC-85C0-26C5-B19E21AB7CA9}"/>
+              </a:ext>
+            </a:extLst>
+          </p:cNvPr>
+          <p:cNvPicPr>
+            <a:picLocks noChangeAspect="1"/>
+          </p:cNvPicPr>
+          <p:nvPr/>
+        </p:nvPicPr>
+        <p:blipFill>
+          <a:blip r:embed="rId3"/>
+          <a:stretch>
+            <a:fillRect/>
+          </a:stretch>
+        </p:blipFill>
+        <p:spPr>
+          <a:xfrm>
+            <a:off x="2686051" y="621506"/>
+            <a:ext cx="6457950" cy="3900487"/>
+          </a:xfrm>
+          <a:prstGeom prst="rect">
+            <a:avLst/>
+          </a:prstGeom>
+        </p:spPr>
+      </p:pic>
+    </p:spTree>
+    <p:extLst>
+      <p:ext uri="{BB962C8B-B14F-4D97-AF65-F5344CB8AC3E}">
+        <p14:creationId xmlns:p14="http://schemas.microsoft.com/office/powerpoint/2010/main" val="3518279157"/>
+      </p:ext>
+    </p:extLst>
+  </p:cSld>
+  <p:clrMapOvr>
+    <a:masterClrMapping/>
+  </p:clrMapOvr>
+</p:sld>
+</file>
+
+<file path=ppt/slides/slide24.xml><?xml version="1.0" encoding="utf-8"?>
 <p:sld xmlns:a="http://schemas.openxmlformats.org/drawingml/2006/main" xmlns:r="http://schemas.openxmlformats.org/officeDocument/2006/relationships" xmlns:p="http://schemas.openxmlformats.org/presentationml/2006/main">
   <p:cSld>
     <p:spTree>
@@ -28030,7 +30296,7 @@
                 <a:latin typeface="Roboto Condensed"/>
                 <a:ea typeface="Roboto Condensed"/>
               </a:rPr>
-              <a:t>22</a:t>
+              <a:t>24</a:t>
             </a:fld>
             <a:endParaRPr lang="en-US" sz="1200" b="0" strike="noStrike" spc="-1">
               <a:latin typeface="Times New Roman"/>
@@ -28108,7 +30374,7 @@
 </p:sld>
 </file>
 
-<file path=ppt/slides/slide23.xml><?xml version="1.0" encoding="utf-8"?>
+<file path=ppt/slides/slide25.xml><?xml version="1.0" encoding="utf-8"?>
 <p:sld xmlns:a="http://schemas.openxmlformats.org/drawingml/2006/main" xmlns:r="http://schemas.openxmlformats.org/officeDocument/2006/relationships" xmlns:p="http://schemas.openxmlformats.org/presentationml/2006/main">
   <p:cSld>
     <p:spTree>
@@ -28505,7 +30771,7 @@
                 <a:latin typeface="Roboto Condensed"/>
                 <a:ea typeface="Roboto Condensed"/>
               </a:rPr>
-              <a:t>23</a:t>
+              <a:t>25</a:t>
             </a:fld>
             <a:endParaRPr lang="en-US" sz="1200" b="0" strike="noStrike" spc="-1">
               <a:latin typeface="Times New Roman"/>
@@ -28521,7 +30787,7 @@
 </p:sld>
 </file>
 
-<file path=ppt/slides/slide24.xml><?xml version="1.0" encoding="utf-8"?>
+<file path=ppt/slides/slide26.xml><?xml version="1.0" encoding="utf-8"?>
 <p:sld xmlns:a="http://schemas.openxmlformats.org/drawingml/2006/main" xmlns:r="http://schemas.openxmlformats.org/officeDocument/2006/relationships" xmlns:p="http://schemas.openxmlformats.org/presentationml/2006/main">
   <p:cSld>
     <p:spTree>
@@ -28754,7 +31020,7 @@
                 <a:latin typeface="Roboto Condensed"/>
                 <a:ea typeface="Roboto Condensed"/>
               </a:rPr>
-              <a:t>24</a:t>
+              <a:t>26</a:t>
             </a:fld>
             <a:endParaRPr lang="en-US" sz="1200" b="0" strike="noStrike" spc="-1">
               <a:latin typeface="Times New Roman"/>
